--- a/宣道詩/(宣道詩23)奇妙的救主.pptx
+++ b/宣道詩/(宣道詩23)奇妙的救主.pptx
@@ -5,16 +5,21 @@
     <p:sldMasterId id="2147483660" r:id="rId1"/>
   </p:sldMasterIdLst>
   <p:sldIdLst>
-    <p:sldId id="256" r:id="rId2"/>
-    <p:sldId id="257" r:id="rId3"/>
-    <p:sldId id="258" r:id="rId4"/>
-    <p:sldId id="259" r:id="rId5"/>
-    <p:sldId id="260" r:id="rId6"/>
-    <p:sldId id="261" r:id="rId7"/>
-    <p:sldId id="262" r:id="rId8"/>
-    <p:sldId id="263" r:id="rId9"/>
+    <p:sldId id="264" r:id="rId2"/>
+    <p:sldId id="265" r:id="rId3"/>
+    <p:sldId id="266" r:id="rId4"/>
+    <p:sldId id="267" r:id="rId5"/>
+    <p:sldId id="268" r:id="rId6"/>
+    <p:sldId id="269" r:id="rId7"/>
+    <p:sldId id="270" r:id="rId8"/>
+    <p:sldId id="271" r:id="rId9"/>
+    <p:sldId id="272" r:id="rId10"/>
+    <p:sldId id="273" r:id="rId11"/>
+    <p:sldId id="274" r:id="rId12"/>
+    <p:sldId id="275" r:id="rId13"/>
+    <p:sldId id="276" r:id="rId14"/>
   </p:sldIdLst>
-  <p:sldSz cx="9144000" cy="6858000" type="screen4x3"/>
+  <p:sldSz cx="12192000" cy="6858000"/>
   <p:notesSz cx="6858000" cy="9144000"/>
   <p:defaultTextStyle>
     <a:defPPr>
@@ -111,6 +116,22 @@
       </a:defRPr>
     </a:lvl9pPr>
   </p:defaultTextStyle>
+  <p:extLst>
+    <p:ext uri="{EFAFB233-063F-42B5-8137-9DF3F51BA10A}">
+      <p15:sldGuideLst xmlns:p15="http://schemas.microsoft.com/office/powerpoint/2012/main">
+        <p15:guide id="1" orient="horz" pos="2160" userDrawn="1">
+          <p15:clr>
+            <a:srgbClr val="A4A3A4"/>
+          </p15:clr>
+        </p15:guide>
+        <p15:guide id="2" pos="3840" userDrawn="1">
+          <p15:clr>
+            <a:srgbClr val="A4A3A4"/>
+          </p15:clr>
+        </p15:guide>
+      </p15:sldGuideLst>
+    </p:ext>
+  </p:extLst>
 </p:presentation>
 </file>
 
@@ -143,8 +164,8 @@
         </p:nvSpPr>
         <p:spPr>
           <a:xfrm>
-            <a:off x="685800" y="2130425"/>
-            <a:ext cx="7772400" cy="1470025"/>
+            <a:off x="914400" y="2130426"/>
+            <a:ext cx="10363200" cy="1470025"/>
           </a:xfrm>
         </p:spPr>
         <p:txBody>
@@ -171,8 +192,8 @@
         </p:nvSpPr>
         <p:spPr>
           <a:xfrm>
-            <a:off x="1371600" y="3886200"/>
-            <a:ext cx="6400800" cy="1752600"/>
+            <a:off x="1828800" y="3886200"/>
+            <a:ext cx="8534400" cy="1752600"/>
           </a:xfrm>
         </p:spPr>
         <p:txBody>
@@ -295,7 +316,7 @@
           <a:p>
             <a:fld id="{31FD9710-99C8-400F-B216-EC1AD5544D68}" type="datetimeFigureOut">
               <a:rPr lang="zh-TW" altLang="en-US" smtClean="0"/>
-              <a:t>2019/2/1</a:t>
+              <a:t>2021/8/20</a:t>
             </a:fld>
             <a:endParaRPr lang="zh-TW" altLang="en-US"/>
           </a:p>
@@ -460,7 +481,7 @@
           <a:p>
             <a:fld id="{31FD9710-99C8-400F-B216-EC1AD5544D68}" type="datetimeFigureOut">
               <a:rPr lang="zh-TW" altLang="en-US" smtClean="0"/>
-              <a:t>2019/2/1</a:t>
+              <a:t>2021/8/20</a:t>
             </a:fld>
             <a:endParaRPr lang="zh-TW" altLang="en-US"/>
           </a:p>
@@ -545,8 +566,8 @@
         </p:nvSpPr>
         <p:spPr>
           <a:xfrm>
-            <a:off x="6629400" y="274638"/>
-            <a:ext cx="2057400" cy="5851525"/>
+            <a:off x="8839200" y="274639"/>
+            <a:ext cx="2743200" cy="5851525"/>
           </a:xfrm>
         </p:spPr>
         <p:txBody>
@@ -573,8 +594,8 @@
         </p:nvSpPr>
         <p:spPr>
           <a:xfrm>
-            <a:off x="457200" y="274638"/>
-            <a:ext cx="6019800" cy="5851525"/>
+            <a:off x="609600" y="274639"/>
+            <a:ext cx="8026400" cy="5851525"/>
           </a:xfrm>
         </p:spPr>
         <p:txBody>
@@ -635,7 +656,7 @@
           <a:p>
             <a:fld id="{31FD9710-99C8-400F-B216-EC1AD5544D68}" type="datetimeFigureOut">
               <a:rPr lang="zh-TW" altLang="en-US" smtClean="0"/>
-              <a:t>2019/2/1</a:t>
+              <a:t>2021/8/20</a:t>
             </a:fld>
             <a:endParaRPr lang="zh-TW" altLang="en-US"/>
           </a:p>
@@ -800,7 +821,7 @@
           <a:p>
             <a:fld id="{31FD9710-99C8-400F-B216-EC1AD5544D68}" type="datetimeFigureOut">
               <a:rPr lang="zh-TW" altLang="en-US" smtClean="0"/>
-              <a:t>2019/2/1</a:t>
+              <a:t>2021/8/20</a:t>
             </a:fld>
             <a:endParaRPr lang="zh-TW" altLang="en-US"/>
           </a:p>
@@ -885,8 +906,8 @@
         </p:nvSpPr>
         <p:spPr>
           <a:xfrm>
-            <a:off x="722313" y="4406900"/>
-            <a:ext cx="7772400" cy="1362075"/>
+            <a:off x="963084" y="4406901"/>
+            <a:ext cx="10363200" cy="1362075"/>
           </a:xfrm>
         </p:spPr>
         <p:txBody>
@@ -917,8 +938,8 @@
         </p:nvSpPr>
         <p:spPr>
           <a:xfrm>
-            <a:off x="722313" y="2906713"/>
-            <a:ext cx="7772400" cy="1500187"/>
+            <a:off x="963084" y="2906713"/>
+            <a:ext cx="10363200" cy="1500187"/>
           </a:xfrm>
         </p:spPr>
         <p:txBody>
@@ -1041,7 +1062,7 @@
           <a:p>
             <a:fld id="{31FD9710-99C8-400F-B216-EC1AD5544D68}" type="datetimeFigureOut">
               <a:rPr lang="zh-TW" altLang="en-US" smtClean="0"/>
-              <a:t>2019/2/1</a:t>
+              <a:t>2021/8/20</a:t>
             </a:fld>
             <a:endParaRPr lang="zh-TW" altLang="en-US"/>
           </a:p>
@@ -1149,8 +1170,8 @@
         </p:nvSpPr>
         <p:spPr>
           <a:xfrm>
-            <a:off x="457200" y="1600200"/>
-            <a:ext cx="4038600" cy="4525963"/>
+            <a:off x="609600" y="1600201"/>
+            <a:ext cx="5384800" cy="4525963"/>
           </a:xfrm>
         </p:spPr>
         <p:txBody>
@@ -1234,8 +1255,8 @@
         </p:nvSpPr>
         <p:spPr>
           <a:xfrm>
-            <a:off x="4648200" y="1600200"/>
-            <a:ext cx="4038600" cy="4525963"/>
+            <a:off x="6197600" y="1600201"/>
+            <a:ext cx="5384800" cy="4525963"/>
           </a:xfrm>
         </p:spPr>
         <p:txBody>
@@ -1324,7 +1345,7 @@
           <a:p>
             <a:fld id="{31FD9710-99C8-400F-B216-EC1AD5544D68}" type="datetimeFigureOut">
               <a:rPr lang="zh-TW" altLang="en-US" smtClean="0"/>
-              <a:t>2019/2/1</a:t>
+              <a:t>2021/8/20</a:t>
             </a:fld>
             <a:endParaRPr lang="zh-TW" altLang="en-US"/>
           </a:p>
@@ -1436,8 +1457,8 @@
         </p:nvSpPr>
         <p:spPr>
           <a:xfrm>
-            <a:off x="457200" y="1535113"/>
-            <a:ext cx="4040188" cy="639762"/>
+            <a:off x="609600" y="1535113"/>
+            <a:ext cx="5386917" cy="639762"/>
           </a:xfrm>
         </p:spPr>
         <p:txBody>
@@ -1501,8 +1522,8 @@
         </p:nvSpPr>
         <p:spPr>
           <a:xfrm>
-            <a:off x="457200" y="2174875"/>
-            <a:ext cx="4040188" cy="3951288"/>
+            <a:off x="609600" y="2174875"/>
+            <a:ext cx="5386917" cy="3951288"/>
           </a:xfrm>
         </p:spPr>
         <p:txBody>
@@ -1586,8 +1607,8 @@
         </p:nvSpPr>
         <p:spPr>
           <a:xfrm>
-            <a:off x="4645025" y="1535113"/>
-            <a:ext cx="4041775" cy="639762"/>
+            <a:off x="6193368" y="1535113"/>
+            <a:ext cx="5389033" cy="639762"/>
           </a:xfrm>
         </p:spPr>
         <p:txBody>
@@ -1651,8 +1672,8 @@
         </p:nvSpPr>
         <p:spPr>
           <a:xfrm>
-            <a:off x="4645025" y="2174875"/>
-            <a:ext cx="4041775" cy="3951288"/>
+            <a:off x="6193368" y="2174875"/>
+            <a:ext cx="5389033" cy="3951288"/>
           </a:xfrm>
         </p:spPr>
         <p:txBody>
@@ -1741,7 +1762,7 @@
           <a:p>
             <a:fld id="{31FD9710-99C8-400F-B216-EC1AD5544D68}" type="datetimeFigureOut">
               <a:rPr lang="zh-TW" altLang="en-US" smtClean="0"/>
-              <a:t>2019/2/1</a:t>
+              <a:t>2021/8/20</a:t>
             </a:fld>
             <a:endParaRPr lang="zh-TW" altLang="en-US"/>
           </a:p>
@@ -1854,7 +1875,7 @@
           <a:p>
             <a:fld id="{31FD9710-99C8-400F-B216-EC1AD5544D68}" type="datetimeFigureOut">
               <a:rPr lang="zh-TW" altLang="en-US" smtClean="0"/>
-              <a:t>2019/2/1</a:t>
+              <a:t>2021/8/20</a:t>
             </a:fld>
             <a:endParaRPr lang="zh-TW" altLang="en-US"/>
           </a:p>
@@ -1944,7 +1965,7 @@
           <a:p>
             <a:fld id="{31FD9710-99C8-400F-B216-EC1AD5544D68}" type="datetimeFigureOut">
               <a:rPr lang="zh-TW" altLang="en-US" smtClean="0"/>
-              <a:t>2019/2/1</a:t>
+              <a:t>2021/8/20</a:t>
             </a:fld>
             <a:endParaRPr lang="zh-TW" altLang="en-US"/>
           </a:p>
@@ -2029,8 +2050,8 @@
         </p:nvSpPr>
         <p:spPr>
           <a:xfrm>
-            <a:off x="457200" y="273050"/>
-            <a:ext cx="3008313" cy="1162050"/>
+            <a:off x="609601" y="273050"/>
+            <a:ext cx="4011084" cy="1162050"/>
           </a:xfrm>
         </p:spPr>
         <p:txBody>
@@ -2061,8 +2082,8 @@
         </p:nvSpPr>
         <p:spPr>
           <a:xfrm>
-            <a:off x="3575050" y="273050"/>
-            <a:ext cx="5111750" cy="5853113"/>
+            <a:off x="4766733" y="273051"/>
+            <a:ext cx="6815667" cy="5853113"/>
           </a:xfrm>
         </p:spPr>
         <p:txBody>
@@ -2146,8 +2167,8 @@
         </p:nvSpPr>
         <p:spPr>
           <a:xfrm>
-            <a:off x="457200" y="1435100"/>
-            <a:ext cx="3008313" cy="4691063"/>
+            <a:off x="609601" y="1435101"/>
+            <a:ext cx="4011084" cy="4691063"/>
           </a:xfrm>
         </p:spPr>
         <p:txBody>
@@ -2216,7 +2237,7 @@
           <a:p>
             <a:fld id="{31FD9710-99C8-400F-B216-EC1AD5544D68}" type="datetimeFigureOut">
               <a:rPr lang="zh-TW" altLang="en-US" smtClean="0"/>
-              <a:t>2019/2/1</a:t>
+              <a:t>2021/8/20</a:t>
             </a:fld>
             <a:endParaRPr lang="zh-TW" altLang="en-US"/>
           </a:p>
@@ -2301,8 +2322,8 @@
         </p:nvSpPr>
         <p:spPr>
           <a:xfrm>
-            <a:off x="1792288" y="4800600"/>
-            <a:ext cx="5486400" cy="566738"/>
+            <a:off x="2389717" y="4800600"/>
+            <a:ext cx="7315200" cy="566738"/>
           </a:xfrm>
         </p:spPr>
         <p:txBody>
@@ -2333,8 +2354,8 @@
         </p:nvSpPr>
         <p:spPr>
           <a:xfrm>
-            <a:off x="1792288" y="612775"/>
-            <a:ext cx="5486400" cy="4114800"/>
+            <a:off x="2389717" y="612775"/>
+            <a:ext cx="7315200" cy="4114800"/>
           </a:xfrm>
         </p:spPr>
         <p:txBody>
@@ -2398,8 +2419,8 @@
         </p:nvSpPr>
         <p:spPr>
           <a:xfrm>
-            <a:off x="1792288" y="5367338"/>
-            <a:ext cx="5486400" cy="804862"/>
+            <a:off x="2389717" y="5367338"/>
+            <a:ext cx="7315200" cy="804862"/>
           </a:xfrm>
         </p:spPr>
         <p:txBody>
@@ -2468,7 +2489,7 @@
           <a:p>
             <a:fld id="{31FD9710-99C8-400F-B216-EC1AD5544D68}" type="datetimeFigureOut">
               <a:rPr lang="zh-TW" altLang="en-US" smtClean="0"/>
-              <a:t>2019/2/1</a:t>
+              <a:t>2021/8/20</a:t>
             </a:fld>
             <a:endParaRPr lang="zh-TW" altLang="en-US"/>
           </a:p>
@@ -2563,8 +2584,8 @@
         </p:nvSpPr>
         <p:spPr>
           <a:xfrm>
-            <a:off x="457200" y="274638"/>
-            <a:ext cx="8229600" cy="1143000"/>
+            <a:off x="609600" y="274638"/>
+            <a:ext cx="10972800" cy="1143000"/>
           </a:xfrm>
           <a:prstGeom prst="rect">
             <a:avLst/>
@@ -2596,8 +2617,8 @@
         </p:nvSpPr>
         <p:spPr>
           <a:xfrm>
-            <a:off x="457200" y="1600200"/>
-            <a:ext cx="8229600" cy="4525963"/>
+            <a:off x="609600" y="1600201"/>
+            <a:ext cx="10972800" cy="4525963"/>
           </a:xfrm>
           <a:prstGeom prst="rect">
             <a:avLst/>
@@ -2658,8 +2679,8 @@
         </p:nvSpPr>
         <p:spPr>
           <a:xfrm>
-            <a:off x="457200" y="6356350"/>
-            <a:ext cx="2133600" cy="365125"/>
+            <a:off x="609600" y="6356351"/>
+            <a:ext cx="2844800" cy="365125"/>
           </a:xfrm>
           <a:prstGeom prst="rect">
             <a:avLst/>
@@ -2681,7 +2702,7 @@
           <a:p>
             <a:fld id="{31FD9710-99C8-400F-B216-EC1AD5544D68}" type="datetimeFigureOut">
               <a:rPr lang="zh-TW" altLang="en-US" smtClean="0"/>
-              <a:t>2019/2/1</a:t>
+              <a:t>2021/8/20</a:t>
             </a:fld>
             <a:endParaRPr lang="zh-TW" altLang="en-US"/>
           </a:p>
@@ -2699,8 +2720,8 @@
         </p:nvSpPr>
         <p:spPr>
           <a:xfrm>
-            <a:off x="3124200" y="6356350"/>
-            <a:ext cx="2895600" cy="365125"/>
+            <a:off x="4165600" y="6356351"/>
+            <a:ext cx="3860800" cy="365125"/>
           </a:xfrm>
           <a:prstGeom prst="rect">
             <a:avLst/>
@@ -2736,8 +2757,8 @@
         </p:nvSpPr>
         <p:spPr>
           <a:xfrm>
-            <a:off x="6553200" y="6356350"/>
-            <a:ext cx="2133600" cy="365125"/>
+            <a:off x="8737600" y="6356351"/>
+            <a:ext cx="2844800" cy="365125"/>
           </a:xfrm>
           <a:prstGeom prst="rect">
             <a:avLst/>
@@ -3061,22 +3082,229 @@
             <p:ph type="title"/>
           </p:nvPr>
         </p:nvSpPr>
-        <p:spPr/>
-        <p:txBody>
-          <a:bodyPr/>
-          <a:lstStyle/>
-          <a:p>
-            <a:r>
-              <a:rPr lang="zh-CN" altLang="en-US" b="1" dirty="0" smtClean="0">
-                <a:solidFill>
-                  <a:srgbClr val="660033"/>
-                </a:solidFill>
+        <p:spPr>
+          <a:xfrm>
+            <a:off x="0" y="2660915"/>
+            <a:ext cx="12192000" cy="1143000"/>
+          </a:xfrm>
+        </p:spPr>
+        <p:txBody>
+          <a:bodyPr>
+            <a:noAutofit/>
+          </a:bodyPr>
+          <a:lstStyle/>
+          <a:p>
+            <a:r>
+              <a:rPr lang="zh-CN" altLang="en-US" sz="5333" b="1" u="sng" dirty="0">
+                <a:solidFill>
+                  <a:srgbClr val="000066"/>
+                </a:solidFill>
+                <a:effectLst>
+                  <a:outerShdw blurRad="38100" dist="38100" dir="2700000" algn="tl">
+                    <a:srgbClr val="000000">
+                      <a:alpha val="43137"/>
+                    </a:srgbClr>
+                  </a:outerShdw>
+                </a:effectLst>
                 <a:latin typeface="微軟正黑體" pitchFamily="34" charset="-120"/>
                 <a:ea typeface="微軟正黑體" pitchFamily="34" charset="-120"/>
               </a:rPr>
-              <a:t>奇妙的救主</a:t>
-            </a:r>
-            <a:endParaRPr lang="zh-TW" altLang="en-US" b="1" dirty="0">
+              <a:t>宣道詩 </a:t>
+            </a:r>
+            <a:r>
+              <a:rPr lang="en-US" altLang="zh-CN" sz="5333" b="1" u="sng" dirty="0">
+                <a:solidFill>
+                  <a:srgbClr val="000066"/>
+                </a:solidFill>
+                <a:effectLst>
+                  <a:outerShdw blurRad="38100" dist="38100" dir="2700000" algn="tl">
+                    <a:srgbClr val="000000">
+                      <a:alpha val="43137"/>
+                    </a:srgbClr>
+                  </a:outerShdw>
+                </a:effectLst>
+                <a:latin typeface="微軟正黑體" pitchFamily="34" charset="-120"/>
+                <a:ea typeface="微軟正黑體" pitchFamily="34" charset="-120"/>
+              </a:rPr>
+              <a:t>23</a:t>
+            </a:r>
+            <a:r>
+              <a:rPr lang="en-US" altLang="zh-CN" sz="7200" b="1" i="1" dirty="0">
+                <a:solidFill>
+                  <a:srgbClr val="660033"/>
+                </a:solidFill>
+                <a:effectLst>
+                  <a:outerShdw blurRad="38100" dist="38100" dir="2700000" algn="tl">
+                    <a:srgbClr val="000000">
+                      <a:alpha val="43137"/>
+                    </a:srgbClr>
+                  </a:outerShdw>
+                </a:effectLst>
+                <a:latin typeface="微軟正黑體" pitchFamily="34" charset="-120"/>
+                <a:ea typeface="微軟正黑體" pitchFamily="34" charset="-120"/>
+              </a:rPr>
+              <a:t/>
+            </a:r>
+            <a:br>
+              <a:rPr lang="en-US" altLang="zh-CN" sz="7200" b="1" i="1" dirty="0">
+                <a:solidFill>
+                  <a:srgbClr val="660033"/>
+                </a:solidFill>
+                <a:effectLst>
+                  <a:outerShdw blurRad="38100" dist="38100" dir="2700000" algn="tl">
+                    <a:srgbClr val="000000">
+                      <a:alpha val="43137"/>
+                    </a:srgbClr>
+                  </a:outerShdw>
+                </a:effectLst>
+                <a:latin typeface="微軟正黑體" pitchFamily="34" charset="-120"/>
+                <a:ea typeface="微軟正黑體" pitchFamily="34" charset="-120"/>
+              </a:rPr>
+            </a:br>
+            <a:r>
+              <a:rPr lang="zh-CN" altLang="en-US" sz="8000" b="1" dirty="0">
+                <a:solidFill>
+                  <a:srgbClr val="660033"/>
+                </a:solidFill>
+                <a:effectLst>
+                  <a:outerShdw blurRad="38100" dist="38100" dir="2700000" algn="tl">
+                    <a:srgbClr val="000000">
+                      <a:alpha val="43137"/>
+                    </a:srgbClr>
+                  </a:outerShdw>
+                </a:effectLst>
+                <a:latin typeface="微軟正黑體" pitchFamily="34" charset="-120"/>
+                <a:ea typeface="微軟正黑體" pitchFamily="34" charset="-120"/>
+              </a:rPr>
+              <a:t>奇</a:t>
+            </a:r>
+            <a:r>
+              <a:rPr lang="zh-CN" altLang="en-US" sz="8000" b="1" dirty="0">
+                <a:solidFill>
+                  <a:srgbClr val="660033"/>
+                </a:solidFill>
+                <a:effectLst>
+                  <a:outerShdw blurRad="38100" dist="38100" dir="2700000" algn="tl">
+                    <a:srgbClr val="000000">
+                      <a:alpha val="43137"/>
+                    </a:srgbClr>
+                  </a:outerShdw>
+                </a:effectLst>
+                <a:latin typeface="微軟正黑體" pitchFamily="34" charset="-120"/>
+                <a:ea typeface="微軟正黑體" pitchFamily="34" charset="-120"/>
+              </a:rPr>
+              <a:t>妙的救主</a:t>
+            </a:r>
+            <a:endParaRPr lang="zh-TW" altLang="en-US" sz="8000" b="1" dirty="0">
+              <a:solidFill>
+                <a:srgbClr val="660033"/>
+              </a:solidFill>
+              <a:effectLst>
+                <a:outerShdw blurRad="38100" dist="38100" dir="2700000" algn="tl">
+                  <a:srgbClr val="000000">
+                    <a:alpha val="43137"/>
+                  </a:srgbClr>
+                </a:outerShdw>
+              </a:effectLst>
+              <a:latin typeface="微軟正黑體" pitchFamily="34" charset="-120"/>
+              <a:ea typeface="微軟正黑體" pitchFamily="34" charset="-120"/>
+            </a:endParaRPr>
+          </a:p>
+        </p:txBody>
+      </p:sp>
+    </p:spTree>
+    <p:extLst>
+      <p:ext uri="{BB962C8B-B14F-4D97-AF65-F5344CB8AC3E}">
+        <p14:creationId xmlns:p14="http://schemas.microsoft.com/office/powerpoint/2010/main" val="3671633540"/>
+      </p:ext>
+    </p:extLst>
+  </p:cSld>
+  <p:clrMapOvr>
+    <a:masterClrMapping/>
+  </p:clrMapOvr>
+  <p:timing>
+    <p:tnLst>
+      <p:par>
+        <p:cTn id="1" dur="indefinite" restart="never" nodeType="tmRoot"/>
+      </p:par>
+    </p:tnLst>
+  </p:timing>
+</p:sld>
+</file>
+
+<file path=ppt/slides/slide10.xml><?xml version="1.0" encoding="utf-8"?>
+<p:sld xmlns:a="http://schemas.openxmlformats.org/drawingml/2006/main" xmlns:r="http://schemas.openxmlformats.org/officeDocument/2006/relationships" xmlns:p="http://schemas.openxmlformats.org/presentationml/2006/main">
+  <p:cSld>
+    <p:spTree>
+      <p:nvGrpSpPr>
+        <p:cNvPr id="1" name=""/>
+        <p:cNvGrpSpPr/>
+        <p:nvPr/>
+      </p:nvGrpSpPr>
+      <p:grpSpPr>
+        <a:xfrm>
+          <a:off x="0" y="0"/>
+          <a:ext cx="0" cy="0"/>
+          <a:chOff x="0" y="0"/>
+          <a:chExt cx="0" cy="0"/>
+        </a:xfrm>
+      </p:grpSpPr>
+      <p:sp>
+        <p:nvSpPr>
+          <p:cNvPr id="5" name="內容版面配置區 4"/>
+          <p:cNvSpPr>
+            <a:spLocks noGrp="1"/>
+          </p:cNvSpPr>
+          <p:nvPr>
+            <p:ph idx="1"/>
+          </p:nvPr>
+        </p:nvSpPr>
+        <p:spPr>
+          <a:xfrm>
+            <a:off x="0" y="2084851"/>
+            <a:ext cx="12192000" cy="2404863"/>
+          </a:xfrm>
+        </p:spPr>
+        <p:txBody>
+          <a:bodyPr anchor="ctr">
+            <a:normAutofit/>
+          </a:bodyPr>
+          <a:lstStyle/>
+          <a:p>
+            <a:pPr algn="ctr">
+              <a:buNone/>
+            </a:pPr>
+            <a:r>
+              <a:rPr lang="zh-CN" altLang="en-US" sz="6400" b="1" dirty="0">
+                <a:solidFill>
+                  <a:srgbClr val="660033"/>
+                </a:solidFill>
+                <a:latin typeface="微軟正黑體" pitchFamily="34" charset="-120"/>
+                <a:ea typeface="微軟正黑體" pitchFamily="34" charset="-120"/>
+              </a:rPr>
+              <a:t>何等奇妙的救主</a:t>
+            </a:r>
+            <a:r>
+              <a:rPr lang="zh-TW" altLang="en-US" sz="6400" b="1" dirty="0">
+                <a:solidFill>
+                  <a:srgbClr val="660033"/>
+                </a:solidFill>
+                <a:latin typeface="微軟正黑體" pitchFamily="34" charset="-120"/>
+                <a:ea typeface="微軟正黑體" pitchFamily="34" charset="-120"/>
+              </a:rPr>
+              <a:t>  </a:t>
+            </a:r>
+            <a:r>
+              <a:rPr lang="zh-CN" altLang="en-US" sz="6400" b="1" dirty="0">
+                <a:solidFill>
+                  <a:srgbClr val="660033"/>
+                </a:solidFill>
+                <a:latin typeface="微軟正黑體" pitchFamily="34" charset="-120"/>
+                <a:ea typeface="微軟正黑體" pitchFamily="34" charset="-120"/>
+              </a:rPr>
+              <a:t>是耶穌我耶穌</a:t>
+            </a:r>
+            <a:endParaRPr lang="en-US" altLang="zh-CN" sz="6400" b="1" dirty="0">
               <a:solidFill>
                 <a:srgbClr val="660033"/>
               </a:solidFill>
@@ -3084,39 +3312,41 @@
               <a:ea typeface="微軟正黑體" pitchFamily="34" charset="-120"/>
             </a:endParaRPr>
           </a:p>
-        </p:txBody>
-      </p:sp>
-      <p:sp>
-        <p:nvSpPr>
-          <p:cNvPr id="5" name="內容版面配置區 4"/>
-          <p:cNvSpPr>
-            <a:spLocks noGrp="1"/>
-          </p:cNvSpPr>
-          <p:nvPr>
-            <p:ph idx="1"/>
-          </p:nvPr>
-        </p:nvSpPr>
-        <p:spPr/>
-        <p:txBody>
-          <a:bodyPr>
-            <a:normAutofit/>
-          </a:bodyPr>
-          <a:lstStyle/>
           <a:p>
             <a:pPr algn="ctr">
               <a:buNone/>
             </a:pPr>
             <a:r>
-              <a:rPr lang="zh-CN" altLang="en-US" sz="5400" b="1" dirty="0" smtClean="0">
+              <a:rPr lang="zh-CN" altLang="en-US" sz="6400" b="1" dirty="0">
                 <a:solidFill>
                   <a:srgbClr val="660033"/>
                 </a:solidFill>
                 <a:latin typeface="微軟正黑體" pitchFamily="34" charset="-120"/>
                 <a:ea typeface="微軟正黑體" pitchFamily="34" charset="-120"/>
               </a:rPr>
-              <a:t>基督成了贖罪救功</a:t>
-            </a:r>
-            <a:endParaRPr lang="en-US" altLang="zh-CN" sz="5400" b="1" dirty="0" smtClean="0">
+              <a:t>何等奇妙的救主</a:t>
+            </a:r>
+            <a:r>
+              <a:rPr lang="zh-TW" altLang="en-US" sz="6400" b="1" dirty="0">
+                <a:solidFill>
+                  <a:srgbClr val="660033"/>
+                </a:solidFill>
+                <a:latin typeface="微軟正黑體" pitchFamily="34" charset="-120"/>
+                <a:ea typeface="微軟正黑體" pitchFamily="34" charset="-120"/>
+              </a:rPr>
+              <a:t>  </a:t>
+            </a:r>
+            <a:r>
+              <a:rPr lang="zh-CN" altLang="en-US" sz="6400" b="1" dirty="0">
+                <a:solidFill>
+                  <a:srgbClr val="660033"/>
+                </a:solidFill>
+                <a:latin typeface="微軟正黑體" pitchFamily="34" charset="-120"/>
+                <a:ea typeface="微軟正黑體" pitchFamily="34" charset="-120"/>
+              </a:rPr>
+              <a:t>是耶穌我主</a:t>
+            </a:r>
+            <a:endParaRPr lang="zh-TW" altLang="en-US" sz="6400" b="1" dirty="0">
               <a:solidFill>
                 <a:srgbClr val="660033"/>
               </a:solidFill>
@@ -3124,21 +3354,81 @@
               <a:ea typeface="微軟正黑體" pitchFamily="34" charset="-120"/>
             </a:endParaRPr>
           </a:p>
+        </p:txBody>
+      </p:sp>
+    </p:spTree>
+    <p:extLst>
+      <p:ext uri="{BB962C8B-B14F-4D97-AF65-F5344CB8AC3E}">
+        <p14:creationId xmlns:p14="http://schemas.microsoft.com/office/powerpoint/2010/main" val="1534446732"/>
+      </p:ext>
+    </p:extLst>
+  </p:cSld>
+  <p:clrMapOvr>
+    <a:masterClrMapping/>
+  </p:clrMapOvr>
+  <p:timing>
+    <p:tnLst>
+      <p:par>
+        <p:cTn id="1" dur="indefinite" restart="never" nodeType="tmRoot"/>
+      </p:par>
+    </p:tnLst>
+  </p:timing>
+</p:sld>
+</file>
+
+<file path=ppt/slides/slide11.xml><?xml version="1.0" encoding="utf-8"?>
+<p:sld xmlns:a="http://schemas.openxmlformats.org/drawingml/2006/main" xmlns:r="http://schemas.openxmlformats.org/officeDocument/2006/relationships" xmlns:p="http://schemas.openxmlformats.org/presentationml/2006/main">
+  <p:cSld>
+    <p:spTree>
+      <p:nvGrpSpPr>
+        <p:cNvPr id="1" name=""/>
+        <p:cNvGrpSpPr/>
+        <p:nvPr/>
+      </p:nvGrpSpPr>
+      <p:grpSpPr>
+        <a:xfrm>
+          <a:off x="0" y="0"/>
+          <a:ext cx="0" cy="0"/>
+          <a:chOff x="0" y="0"/>
+          <a:chExt cx="0" cy="0"/>
+        </a:xfrm>
+      </p:grpSpPr>
+      <p:sp>
+        <p:nvSpPr>
+          <p:cNvPr id="5" name="內容版面配置區 4"/>
+          <p:cNvSpPr>
+            <a:spLocks noGrp="1"/>
+          </p:cNvSpPr>
+          <p:nvPr>
+            <p:ph idx="1"/>
+          </p:nvPr>
+        </p:nvSpPr>
+        <p:spPr>
+          <a:xfrm>
+            <a:off x="0" y="2084851"/>
+            <a:ext cx="12192000" cy="2404863"/>
+          </a:xfrm>
+        </p:spPr>
+        <p:txBody>
+          <a:bodyPr anchor="ctr">
+            <a:normAutofit/>
+          </a:bodyPr>
+          <a:lstStyle/>
           <a:p>
             <a:pPr algn="ctr">
               <a:buNone/>
             </a:pPr>
             <a:r>
-              <a:rPr lang="zh-CN" altLang="en-US" sz="5400" b="1" dirty="0" smtClean="0">
+              <a:rPr lang="zh-CN" altLang="en-US" sz="6400" b="1" dirty="0">
                 <a:solidFill>
                   <a:srgbClr val="660033"/>
                 </a:solidFill>
                 <a:latin typeface="微軟正黑體" pitchFamily="34" charset="-120"/>
                 <a:ea typeface="微軟正黑體" pitchFamily="34" charset="-120"/>
               </a:rPr>
-              <a:t>何等奇妙的救主</a:t>
-            </a:r>
-            <a:endParaRPr lang="en-US" altLang="zh-CN" sz="5400" b="1" dirty="0" smtClean="0">
+              <a:t>他日日總與我偕行</a:t>
+            </a:r>
+            <a:endParaRPr lang="en-US" altLang="zh-CN" sz="6400" b="1" dirty="0">
               <a:solidFill>
                 <a:srgbClr val="660033"/>
               </a:solidFill>
@@ -3151,16 +3441,16 @@
               <a:buNone/>
             </a:pPr>
             <a:r>
-              <a:rPr lang="zh-CN" altLang="en-US" sz="5400" b="1" dirty="0" smtClean="0">
+              <a:rPr lang="zh-CN" altLang="en-US" sz="6400" b="1" dirty="0">
                 <a:solidFill>
                   <a:srgbClr val="660033"/>
                 </a:solidFill>
                 <a:latin typeface="微軟正黑體" pitchFamily="34" charset="-120"/>
                 <a:ea typeface="微軟正黑體" pitchFamily="34" charset="-120"/>
               </a:rPr>
-              <a:t>我罪清償他恩無窮</a:t>
-            </a:r>
-            <a:endParaRPr lang="en-US" altLang="zh-CN" sz="5400" b="1" dirty="0" smtClean="0">
+              <a:t>何等奇妙的救主</a:t>
+            </a:r>
+            <a:endParaRPr lang="en-US" altLang="zh-CN" sz="6400" b="1" dirty="0">
               <a:solidFill>
                 <a:srgbClr val="660033"/>
               </a:solidFill>
@@ -3168,21 +3458,120 @@
               <a:ea typeface="微軟正黑體" pitchFamily="34" charset="-120"/>
             </a:endParaRPr>
           </a:p>
+        </p:txBody>
+      </p:sp>
+      <p:sp>
+        <p:nvSpPr>
+          <p:cNvPr id="3" name="TextBox 2"/>
+          <p:cNvSpPr txBox="1"/>
+          <p:nvPr/>
+        </p:nvSpPr>
+        <p:spPr>
+          <a:xfrm>
+            <a:off x="0" y="5061182"/>
+            <a:ext cx="12192000" cy="830997"/>
+          </a:xfrm>
+          <a:prstGeom prst="rect">
+            <a:avLst/>
+          </a:prstGeom>
+          <a:noFill/>
+        </p:spPr>
+        <p:txBody>
+          <a:bodyPr wrap="square" rtlCol="0">
+            <a:spAutoFit/>
+          </a:bodyPr>
+          <a:lstStyle/>
+          <a:p>
+            <a:pPr algn="ctr"/>
+            <a:r>
+              <a:rPr lang="en-US" sz="4800" b="1" dirty="0">
+                <a:solidFill>
+                  <a:srgbClr val="660033"/>
+                </a:solidFill>
+              </a:rPr>
+              <a:t>( 4 )</a:t>
+            </a:r>
+            <a:endParaRPr lang="vi-VN" sz="4800" b="1" dirty="0">
+              <a:solidFill>
+                <a:srgbClr val="660033"/>
+              </a:solidFill>
+            </a:endParaRPr>
+          </a:p>
+        </p:txBody>
+      </p:sp>
+    </p:spTree>
+    <p:extLst>
+      <p:ext uri="{BB962C8B-B14F-4D97-AF65-F5344CB8AC3E}">
+        <p14:creationId xmlns:p14="http://schemas.microsoft.com/office/powerpoint/2010/main" val="3102569013"/>
+      </p:ext>
+    </p:extLst>
+  </p:cSld>
+  <p:clrMapOvr>
+    <a:masterClrMapping/>
+  </p:clrMapOvr>
+  <p:timing>
+    <p:tnLst>
+      <p:par>
+        <p:cTn id="1" dur="indefinite" restart="never" nodeType="tmRoot"/>
+      </p:par>
+    </p:tnLst>
+  </p:timing>
+</p:sld>
+</file>
+
+<file path=ppt/slides/slide12.xml><?xml version="1.0" encoding="utf-8"?>
+<p:sld xmlns:a="http://schemas.openxmlformats.org/drawingml/2006/main" xmlns:r="http://schemas.openxmlformats.org/officeDocument/2006/relationships" xmlns:p="http://schemas.openxmlformats.org/presentationml/2006/main">
+  <p:cSld>
+    <p:spTree>
+      <p:nvGrpSpPr>
+        <p:cNvPr id="1" name=""/>
+        <p:cNvGrpSpPr/>
+        <p:nvPr/>
+      </p:nvGrpSpPr>
+      <p:grpSpPr>
+        <a:xfrm>
+          <a:off x="0" y="0"/>
+          <a:ext cx="0" cy="0"/>
+          <a:chOff x="0" y="0"/>
+          <a:chExt cx="0" cy="0"/>
+        </a:xfrm>
+      </p:grpSpPr>
+      <p:sp>
+        <p:nvSpPr>
+          <p:cNvPr id="5" name="內容版面配置區 4"/>
+          <p:cNvSpPr>
+            <a:spLocks noGrp="1"/>
+          </p:cNvSpPr>
+          <p:nvPr>
+            <p:ph idx="1"/>
+          </p:nvPr>
+        </p:nvSpPr>
+        <p:spPr>
+          <a:xfrm>
+            <a:off x="0" y="2084851"/>
+            <a:ext cx="12192000" cy="2404863"/>
+          </a:xfrm>
+        </p:spPr>
+        <p:txBody>
+          <a:bodyPr anchor="ctr">
+            <a:normAutofit/>
+          </a:bodyPr>
+          <a:lstStyle/>
           <a:p>
             <a:pPr algn="ctr">
               <a:buNone/>
             </a:pPr>
             <a:r>
-              <a:rPr lang="zh-CN" altLang="en-US" sz="5400" b="1" dirty="0" smtClean="0">
+              <a:rPr lang="zh-CN" altLang="en-US" sz="6400" b="1" dirty="0">
                 <a:solidFill>
                   <a:srgbClr val="660033"/>
                 </a:solidFill>
                 <a:latin typeface="微軟正黑體" pitchFamily="34" charset="-120"/>
                 <a:ea typeface="微軟正黑體" pitchFamily="34" charset="-120"/>
               </a:rPr>
-              <a:t>何等奇妙的救主</a:t>
-            </a:r>
-            <a:endParaRPr lang="zh-TW" altLang="en-US" sz="5400" b="1" dirty="0">
+              <a:t>忠誠保護大有恩情</a:t>
+            </a:r>
+            <a:endParaRPr lang="en-US" altLang="zh-CN" sz="6400" b="1" dirty="0">
               <a:solidFill>
                 <a:srgbClr val="660033"/>
               </a:solidFill>
@@ -3190,13 +3579,230 @@
               <a:ea typeface="微軟正黑體" pitchFamily="34" charset="-120"/>
             </a:endParaRPr>
           </a:p>
+          <a:p>
+            <a:pPr algn="ctr">
+              <a:buNone/>
+            </a:pPr>
+            <a:r>
+              <a:rPr lang="zh-CN" altLang="en-US" sz="6400" b="1" dirty="0">
+                <a:solidFill>
+                  <a:srgbClr val="660033"/>
+                </a:solidFill>
+                <a:latin typeface="微軟正黑體" pitchFamily="34" charset="-120"/>
+                <a:ea typeface="微軟正黑體" pitchFamily="34" charset="-120"/>
+              </a:rPr>
+              <a:t>何等奇妙的救主</a:t>
+            </a:r>
+            <a:endParaRPr lang="en-US" altLang="zh-CN" sz="6400" b="1" dirty="0">
+              <a:solidFill>
+                <a:srgbClr val="660033"/>
+              </a:solidFill>
+              <a:latin typeface="微軟正黑體" pitchFamily="34" charset="-120"/>
+              <a:ea typeface="微軟正黑體" pitchFamily="34" charset="-120"/>
+            </a:endParaRPr>
+          </a:p>
+        </p:txBody>
+      </p:sp>
+      <p:sp>
+        <p:nvSpPr>
+          <p:cNvPr id="3" name="TextBox 2"/>
+          <p:cNvSpPr txBox="1"/>
+          <p:nvPr/>
+        </p:nvSpPr>
+        <p:spPr>
+          <a:xfrm>
+            <a:off x="0" y="5061182"/>
+            <a:ext cx="12192000" cy="830997"/>
+          </a:xfrm>
+          <a:prstGeom prst="rect">
+            <a:avLst/>
+          </a:prstGeom>
+          <a:noFill/>
+        </p:spPr>
+        <p:txBody>
+          <a:bodyPr wrap="square" rtlCol="0">
+            <a:spAutoFit/>
+          </a:bodyPr>
+          <a:lstStyle/>
+          <a:p>
+            <a:pPr algn="ctr"/>
+            <a:r>
+              <a:rPr lang="en-US" sz="4800" b="1" dirty="0">
+                <a:solidFill>
+                  <a:srgbClr val="660033"/>
+                </a:solidFill>
+              </a:rPr>
+              <a:t>( 4 )</a:t>
+            </a:r>
+            <a:endParaRPr lang="vi-VN" sz="4800" b="1" dirty="0">
+              <a:solidFill>
+                <a:srgbClr val="660033"/>
+              </a:solidFill>
+            </a:endParaRPr>
+          </a:p>
         </p:txBody>
       </p:sp>
     </p:spTree>
+    <p:extLst>
+      <p:ext uri="{BB962C8B-B14F-4D97-AF65-F5344CB8AC3E}">
+        <p14:creationId xmlns:p14="http://schemas.microsoft.com/office/powerpoint/2010/main" val="3305544904"/>
+      </p:ext>
+    </p:extLst>
   </p:cSld>
   <p:clrMapOvr>
     <a:masterClrMapping/>
   </p:clrMapOvr>
+  <p:timing>
+    <p:tnLst>
+      <p:par>
+        <p:cTn id="1" dur="indefinite" restart="never" nodeType="tmRoot"/>
+      </p:par>
+    </p:tnLst>
+  </p:timing>
+</p:sld>
+</file>
+
+<file path=ppt/slides/slide13.xml><?xml version="1.0" encoding="utf-8"?>
+<p:sld xmlns:a="http://schemas.openxmlformats.org/drawingml/2006/main" xmlns:r="http://schemas.openxmlformats.org/officeDocument/2006/relationships" xmlns:p="http://schemas.openxmlformats.org/presentationml/2006/main">
+  <p:cSld>
+    <p:spTree>
+      <p:nvGrpSpPr>
+        <p:cNvPr id="1" name=""/>
+        <p:cNvGrpSpPr/>
+        <p:nvPr/>
+      </p:nvGrpSpPr>
+      <p:grpSpPr>
+        <a:xfrm>
+          <a:off x="0" y="0"/>
+          <a:ext cx="0" cy="0"/>
+          <a:chOff x="0" y="0"/>
+          <a:chExt cx="0" cy="0"/>
+        </a:xfrm>
+      </p:grpSpPr>
+      <p:sp>
+        <p:nvSpPr>
+          <p:cNvPr id="5" name="內容版面配置區 4"/>
+          <p:cNvSpPr>
+            <a:spLocks noGrp="1"/>
+          </p:cNvSpPr>
+          <p:nvPr>
+            <p:ph idx="1"/>
+          </p:nvPr>
+        </p:nvSpPr>
+        <p:spPr>
+          <a:xfrm>
+            <a:off x="0" y="2084851"/>
+            <a:ext cx="12192000" cy="2404863"/>
+          </a:xfrm>
+        </p:spPr>
+        <p:txBody>
+          <a:bodyPr anchor="ctr">
+            <a:normAutofit/>
+          </a:bodyPr>
+          <a:lstStyle/>
+          <a:p>
+            <a:pPr algn="ctr">
+              <a:buNone/>
+            </a:pPr>
+            <a:r>
+              <a:rPr lang="zh-CN" altLang="en-US" sz="6400" b="1" dirty="0">
+                <a:solidFill>
+                  <a:srgbClr val="660033"/>
+                </a:solidFill>
+                <a:latin typeface="微軟正黑體" pitchFamily="34" charset="-120"/>
+                <a:ea typeface="微軟正黑體" pitchFamily="34" charset="-120"/>
+              </a:rPr>
+              <a:t>何等奇妙的救主</a:t>
+            </a:r>
+            <a:r>
+              <a:rPr lang="zh-TW" altLang="en-US" sz="6400" b="1" dirty="0">
+                <a:solidFill>
+                  <a:srgbClr val="660033"/>
+                </a:solidFill>
+                <a:latin typeface="微軟正黑體" pitchFamily="34" charset="-120"/>
+                <a:ea typeface="微軟正黑體" pitchFamily="34" charset="-120"/>
+              </a:rPr>
+              <a:t>  </a:t>
+            </a:r>
+            <a:r>
+              <a:rPr lang="zh-CN" altLang="en-US" sz="6400" b="1" dirty="0">
+                <a:solidFill>
+                  <a:srgbClr val="660033"/>
+                </a:solidFill>
+                <a:latin typeface="微軟正黑體" pitchFamily="34" charset="-120"/>
+                <a:ea typeface="微軟正黑體" pitchFamily="34" charset="-120"/>
+              </a:rPr>
+              <a:t>是耶穌我耶穌</a:t>
+            </a:r>
+            <a:endParaRPr lang="en-US" altLang="zh-CN" sz="6400" b="1" dirty="0">
+              <a:solidFill>
+                <a:srgbClr val="660033"/>
+              </a:solidFill>
+              <a:latin typeface="微軟正黑體" pitchFamily="34" charset="-120"/>
+              <a:ea typeface="微軟正黑體" pitchFamily="34" charset="-120"/>
+            </a:endParaRPr>
+          </a:p>
+          <a:p>
+            <a:pPr algn="ctr">
+              <a:buNone/>
+            </a:pPr>
+            <a:r>
+              <a:rPr lang="zh-CN" altLang="en-US" sz="6400" b="1" dirty="0">
+                <a:solidFill>
+                  <a:srgbClr val="660033"/>
+                </a:solidFill>
+                <a:latin typeface="微軟正黑體" pitchFamily="34" charset="-120"/>
+                <a:ea typeface="微軟正黑體" pitchFamily="34" charset="-120"/>
+              </a:rPr>
+              <a:t>何等奇妙的救主</a:t>
+            </a:r>
+            <a:r>
+              <a:rPr lang="zh-TW" altLang="en-US" sz="6400" b="1" dirty="0">
+                <a:solidFill>
+                  <a:srgbClr val="660033"/>
+                </a:solidFill>
+                <a:latin typeface="微軟正黑體" pitchFamily="34" charset="-120"/>
+                <a:ea typeface="微軟正黑體" pitchFamily="34" charset="-120"/>
+              </a:rPr>
+              <a:t>  </a:t>
+            </a:r>
+            <a:r>
+              <a:rPr lang="zh-CN" altLang="en-US" sz="6400" b="1" dirty="0">
+                <a:solidFill>
+                  <a:srgbClr val="660033"/>
+                </a:solidFill>
+                <a:latin typeface="微軟正黑體" pitchFamily="34" charset="-120"/>
+                <a:ea typeface="微軟正黑體" pitchFamily="34" charset="-120"/>
+              </a:rPr>
+              <a:t>是耶穌我主</a:t>
+            </a:r>
+            <a:endParaRPr lang="zh-TW" altLang="en-US" sz="6400" b="1" dirty="0">
+              <a:solidFill>
+                <a:srgbClr val="660033"/>
+              </a:solidFill>
+              <a:latin typeface="微軟正黑體" pitchFamily="34" charset="-120"/>
+              <a:ea typeface="微軟正黑體" pitchFamily="34" charset="-120"/>
+            </a:endParaRPr>
+          </a:p>
+        </p:txBody>
+      </p:sp>
+    </p:spTree>
+    <p:extLst>
+      <p:ext uri="{BB962C8B-B14F-4D97-AF65-F5344CB8AC3E}">
+        <p14:creationId xmlns:p14="http://schemas.microsoft.com/office/powerpoint/2010/main" val="2496930525"/>
+      </p:ext>
+    </p:extLst>
+  </p:cSld>
+  <p:clrMapOvr>
+    <a:masterClrMapping/>
+  </p:clrMapOvr>
+  <p:timing>
+    <p:tnLst>
+      <p:par>
+        <p:cTn id="1" dur="indefinite" restart="never" nodeType="tmRoot"/>
+      </p:par>
+    </p:tnLst>
+  </p:timing>
 </p:sld>
 </file>
 
@@ -3219,30 +3825,40 @@
       </p:grpSpPr>
       <p:sp>
         <p:nvSpPr>
-          <p:cNvPr id="4" name="標題 3"/>
-          <p:cNvSpPr>
-            <a:spLocks noGrp="1"/>
-          </p:cNvSpPr>
-          <p:nvPr>
-            <p:ph type="title"/>
-          </p:nvPr>
-        </p:nvSpPr>
-        <p:spPr/>
-        <p:txBody>
-          <a:bodyPr/>
-          <a:lstStyle/>
-          <a:p>
-            <a:r>
-              <a:rPr lang="zh-CN" altLang="en-US" b="1" dirty="0" smtClean="0">
+          <p:cNvPr id="5" name="內容版面配置區 4"/>
+          <p:cNvSpPr>
+            <a:spLocks noGrp="1"/>
+          </p:cNvSpPr>
+          <p:nvPr>
+            <p:ph idx="1"/>
+          </p:nvPr>
+        </p:nvSpPr>
+        <p:spPr>
+          <a:xfrm>
+            <a:off x="0" y="2084851"/>
+            <a:ext cx="12192000" cy="2404863"/>
+          </a:xfrm>
+        </p:spPr>
+        <p:txBody>
+          <a:bodyPr anchor="ctr">
+            <a:normAutofit/>
+          </a:bodyPr>
+          <a:lstStyle/>
+          <a:p>
+            <a:pPr algn="ctr">
+              <a:buNone/>
+            </a:pPr>
+            <a:r>
+              <a:rPr lang="zh-CN" altLang="en-US" sz="6400" b="1" dirty="0">
                 <a:solidFill>
                   <a:srgbClr val="660033"/>
                 </a:solidFill>
                 <a:latin typeface="微軟正黑體" pitchFamily="34" charset="-120"/>
                 <a:ea typeface="微軟正黑體" pitchFamily="34" charset="-120"/>
               </a:rPr>
-              <a:t>奇妙的救主</a:t>
-            </a:r>
-            <a:endParaRPr lang="zh-TW" altLang="en-US" b="1" dirty="0">
+              <a:t>基督成了贖罪救功</a:t>
+            </a:r>
+            <a:endParaRPr lang="en-US" altLang="zh-CN" sz="6400" b="1" dirty="0">
               <a:solidFill>
                 <a:srgbClr val="660033"/>
               </a:solidFill>
@@ -3250,30 +3866,12 @@
               <a:ea typeface="微軟正黑體" pitchFamily="34" charset="-120"/>
             </a:endParaRPr>
           </a:p>
-        </p:txBody>
-      </p:sp>
-      <p:sp>
-        <p:nvSpPr>
-          <p:cNvPr id="5" name="內容版面配置區 4"/>
-          <p:cNvSpPr>
-            <a:spLocks noGrp="1"/>
-          </p:cNvSpPr>
-          <p:nvPr>
-            <p:ph idx="1"/>
-          </p:nvPr>
-        </p:nvSpPr>
-        <p:spPr/>
-        <p:txBody>
-          <a:bodyPr>
-            <a:normAutofit/>
-          </a:bodyPr>
-          <a:lstStyle/>
           <a:p>
             <a:pPr algn="ctr">
               <a:buNone/>
             </a:pPr>
             <a:r>
-              <a:rPr lang="zh-CN" altLang="en-US" sz="5400" b="1" dirty="0" smtClean="0">
+              <a:rPr lang="zh-CN" altLang="en-US" sz="6400" b="1" dirty="0">
                 <a:solidFill>
                   <a:srgbClr val="660033"/>
                 </a:solidFill>
@@ -3282,7 +3880,7 @@
               </a:rPr>
               <a:t>何等奇妙的救主</a:t>
             </a:r>
-            <a:endParaRPr lang="zh-TW" altLang="en-US" sz="5400" b="1" dirty="0" smtClean="0">
+            <a:endParaRPr lang="en-US" altLang="zh-CN" sz="6400" b="1" dirty="0">
               <a:solidFill>
                 <a:srgbClr val="660033"/>
               </a:solidFill>
@@ -3290,79 +3888,64 @@
               <a:ea typeface="微軟正黑體" pitchFamily="34" charset="-120"/>
             </a:endParaRPr>
           </a:p>
-          <a:p>
-            <a:pPr algn="ctr">
-              <a:buNone/>
-            </a:pPr>
-            <a:r>
-              <a:rPr lang="zh-CN" altLang="en-US" sz="5400" b="1" dirty="0" smtClean="0">
+        </p:txBody>
+      </p:sp>
+      <p:sp>
+        <p:nvSpPr>
+          <p:cNvPr id="3" name="TextBox 2"/>
+          <p:cNvSpPr txBox="1"/>
+          <p:nvPr/>
+        </p:nvSpPr>
+        <p:spPr>
+          <a:xfrm>
+            <a:off x="0" y="5061182"/>
+            <a:ext cx="12192000" cy="830997"/>
+          </a:xfrm>
+          <a:prstGeom prst="rect">
+            <a:avLst/>
+          </a:prstGeom>
+          <a:noFill/>
+        </p:spPr>
+        <p:txBody>
+          <a:bodyPr wrap="square" rtlCol="0">
+            <a:spAutoFit/>
+          </a:bodyPr>
+          <a:lstStyle/>
+          <a:p>
+            <a:pPr algn="ctr"/>
+            <a:r>
+              <a:rPr lang="en-US" sz="4800" b="1" dirty="0">
                 <a:solidFill>
                   <a:srgbClr val="660033"/>
                 </a:solidFill>
-                <a:latin typeface="微軟正黑體" pitchFamily="34" charset="-120"/>
-                <a:ea typeface="微軟正黑體" pitchFamily="34" charset="-120"/>
-              </a:rPr>
-              <a:t>是耶穌我耶穌</a:t>
-            </a:r>
-            <a:endParaRPr lang="en-US" altLang="zh-CN" sz="5400" b="1" dirty="0" smtClean="0">
+              </a:rPr>
+              <a:t>( 1 )</a:t>
+            </a:r>
+            <a:endParaRPr lang="vi-VN" sz="4800" b="1" dirty="0">
               <a:solidFill>
                 <a:srgbClr val="660033"/>
               </a:solidFill>
-              <a:latin typeface="微軟正黑體" pitchFamily="34" charset="-120"/>
-              <a:ea typeface="微軟正黑體" pitchFamily="34" charset="-120"/>
             </a:endParaRPr>
           </a:p>
-          <a:p>
-            <a:pPr algn="ctr">
-              <a:buNone/>
-            </a:pPr>
-            <a:r>
-              <a:rPr lang="zh-CN" altLang="en-US" sz="5400" b="1" dirty="0" smtClean="0">
-                <a:solidFill>
-                  <a:srgbClr val="660033"/>
-                </a:solidFill>
-                <a:latin typeface="微軟正黑體" pitchFamily="34" charset="-120"/>
-                <a:ea typeface="微軟正黑體" pitchFamily="34" charset="-120"/>
-              </a:rPr>
-              <a:t>何等奇妙的救主</a:t>
-            </a:r>
-            <a:endParaRPr lang="zh-TW" altLang="en-US" sz="5400" b="1" dirty="0" smtClean="0">
-              <a:solidFill>
-                <a:srgbClr val="660033"/>
-              </a:solidFill>
-              <a:latin typeface="微軟正黑體" pitchFamily="34" charset="-120"/>
-              <a:ea typeface="微軟正黑體" pitchFamily="34" charset="-120"/>
-            </a:endParaRPr>
-          </a:p>
-          <a:p>
-            <a:pPr algn="ctr">
-              <a:buNone/>
-            </a:pPr>
-            <a:r>
-              <a:rPr lang="zh-CN" altLang="en-US" sz="5400" b="1" dirty="0" smtClean="0">
-                <a:solidFill>
-                  <a:srgbClr val="660033"/>
-                </a:solidFill>
-                <a:latin typeface="微軟正黑體" pitchFamily="34" charset="-120"/>
-                <a:ea typeface="微軟正黑體" pitchFamily="34" charset="-120"/>
-              </a:rPr>
-              <a:t>是耶穌我主</a:t>
-            </a:r>
-            <a:endParaRPr lang="zh-TW" altLang="en-US" sz="5400" b="1" dirty="0">
-              <a:solidFill>
-                <a:srgbClr val="660033"/>
-              </a:solidFill>
-              <a:latin typeface="微軟正黑體" pitchFamily="34" charset="-120"/>
-              <a:ea typeface="微軟正黑體" pitchFamily="34" charset="-120"/>
-            </a:endParaRPr>
-          </a:p>
         </p:txBody>
       </p:sp>
     </p:spTree>
+    <p:extLst>
+      <p:ext uri="{BB962C8B-B14F-4D97-AF65-F5344CB8AC3E}">
+        <p14:creationId xmlns:p14="http://schemas.microsoft.com/office/powerpoint/2010/main" val="245404315"/>
+      </p:ext>
+    </p:extLst>
   </p:cSld>
   <p:clrMapOvr>
     <a:masterClrMapping/>
   </p:clrMapOvr>
+  <p:timing>
+    <p:tnLst>
+      <p:par>
+        <p:cTn id="1" dur="indefinite" restart="never" nodeType="tmRoot"/>
+      </p:par>
+    </p:tnLst>
+  </p:timing>
 </p:sld>
 </file>
 
@@ -3385,30 +3968,40 @@
       </p:grpSpPr>
       <p:sp>
         <p:nvSpPr>
-          <p:cNvPr id="4" name="標題 3"/>
-          <p:cNvSpPr>
-            <a:spLocks noGrp="1"/>
-          </p:cNvSpPr>
-          <p:nvPr>
-            <p:ph type="title"/>
-          </p:nvPr>
-        </p:nvSpPr>
-        <p:spPr/>
-        <p:txBody>
-          <a:bodyPr/>
-          <a:lstStyle/>
-          <a:p>
-            <a:r>
-              <a:rPr lang="zh-CN" altLang="en-US" b="1" dirty="0" smtClean="0">
+          <p:cNvPr id="5" name="內容版面配置區 4"/>
+          <p:cNvSpPr>
+            <a:spLocks noGrp="1"/>
+          </p:cNvSpPr>
+          <p:nvPr>
+            <p:ph idx="1"/>
+          </p:nvPr>
+        </p:nvSpPr>
+        <p:spPr>
+          <a:xfrm>
+            <a:off x="0" y="2084851"/>
+            <a:ext cx="12192000" cy="2404863"/>
+          </a:xfrm>
+        </p:spPr>
+        <p:txBody>
+          <a:bodyPr anchor="ctr">
+            <a:normAutofit/>
+          </a:bodyPr>
+          <a:lstStyle/>
+          <a:p>
+            <a:pPr algn="ctr">
+              <a:buNone/>
+            </a:pPr>
+            <a:r>
+              <a:rPr lang="zh-CN" altLang="en-US" sz="6400" b="1" dirty="0">
                 <a:solidFill>
                   <a:srgbClr val="660033"/>
                 </a:solidFill>
                 <a:latin typeface="微軟正黑體" pitchFamily="34" charset="-120"/>
                 <a:ea typeface="微軟正黑體" pitchFamily="34" charset="-120"/>
               </a:rPr>
-              <a:t>奇妙的救主</a:t>
-            </a:r>
-            <a:endParaRPr lang="zh-TW" altLang="en-US" b="1" dirty="0">
+              <a:t>我罪清償他恩無窮</a:t>
+            </a:r>
+            <a:endParaRPr lang="en-US" altLang="zh-CN" sz="6400" b="1" dirty="0">
               <a:solidFill>
                 <a:srgbClr val="660033"/>
               </a:solidFill>
@@ -3416,39 +4009,21 @@
               <a:ea typeface="微軟正黑體" pitchFamily="34" charset="-120"/>
             </a:endParaRPr>
           </a:p>
-        </p:txBody>
-      </p:sp>
-      <p:sp>
-        <p:nvSpPr>
-          <p:cNvPr id="5" name="內容版面配置區 4"/>
-          <p:cNvSpPr>
-            <a:spLocks noGrp="1"/>
-          </p:cNvSpPr>
-          <p:nvPr>
-            <p:ph idx="1"/>
-          </p:nvPr>
-        </p:nvSpPr>
-        <p:spPr/>
-        <p:txBody>
-          <a:bodyPr>
-            <a:normAutofit/>
-          </a:bodyPr>
-          <a:lstStyle/>
           <a:p>
             <a:pPr algn="ctr">
               <a:buNone/>
             </a:pPr>
             <a:r>
-              <a:rPr lang="zh-CN" altLang="en-US" sz="5400" b="1" dirty="0" smtClean="0">
+              <a:rPr lang="zh-CN" altLang="en-US" sz="6400" b="1" dirty="0">
                 <a:solidFill>
                   <a:srgbClr val="660033"/>
                 </a:solidFill>
                 <a:latin typeface="微軟正黑體" pitchFamily="34" charset="-120"/>
                 <a:ea typeface="微軟正黑體" pitchFamily="34" charset="-120"/>
               </a:rPr>
-              <a:t>我讚美他洗罪寶血</a:t>
-            </a:r>
-            <a:endParaRPr lang="en-US" altLang="zh-CN" sz="5400" b="1" dirty="0" smtClean="0">
+              <a:t>何等奇妙的救主</a:t>
+            </a:r>
+            <a:endParaRPr lang="zh-TW" altLang="en-US" sz="6400" b="1" dirty="0">
               <a:solidFill>
                 <a:srgbClr val="660033"/>
               </a:solidFill>
@@ -3456,89 +4031,64 @@
               <a:ea typeface="微軟正黑體" pitchFamily="34" charset="-120"/>
             </a:endParaRPr>
           </a:p>
-          <a:p>
-            <a:pPr algn="ctr">
-              <a:buNone/>
-            </a:pPr>
-            <a:r>
-              <a:rPr lang="zh-CN" altLang="en-US" sz="5400" b="1" dirty="0" smtClean="0">
+        </p:txBody>
+      </p:sp>
+      <p:sp>
+        <p:nvSpPr>
+          <p:cNvPr id="3" name="TextBox 2"/>
+          <p:cNvSpPr txBox="1"/>
+          <p:nvPr/>
+        </p:nvSpPr>
+        <p:spPr>
+          <a:xfrm>
+            <a:off x="0" y="5061182"/>
+            <a:ext cx="12192000" cy="830997"/>
+          </a:xfrm>
+          <a:prstGeom prst="rect">
+            <a:avLst/>
+          </a:prstGeom>
+          <a:noFill/>
+        </p:spPr>
+        <p:txBody>
+          <a:bodyPr wrap="square" rtlCol="0">
+            <a:spAutoFit/>
+          </a:bodyPr>
+          <a:lstStyle/>
+          <a:p>
+            <a:pPr algn="ctr"/>
+            <a:r>
+              <a:rPr lang="en-US" sz="4800" b="1" dirty="0">
                 <a:solidFill>
                   <a:srgbClr val="660033"/>
                 </a:solidFill>
-                <a:latin typeface="微軟正黑體" pitchFamily="34" charset="-120"/>
-                <a:ea typeface="微軟正黑體" pitchFamily="34" charset="-120"/>
-              </a:rPr>
-              <a:t>何等奇妙的救主</a:t>
-            </a:r>
-            <a:endParaRPr lang="zh-TW" altLang="en-US" sz="5400" b="1" dirty="0" smtClean="0">
+              </a:rPr>
+              <a:t>( 1 )</a:t>
+            </a:r>
+            <a:endParaRPr lang="vi-VN" sz="4800" b="1" dirty="0">
               <a:solidFill>
                 <a:srgbClr val="660033"/>
               </a:solidFill>
-              <a:latin typeface="微軟正黑體" pitchFamily="34" charset="-120"/>
-              <a:ea typeface="微軟正黑體" pitchFamily="34" charset="-120"/>
             </a:endParaRPr>
           </a:p>
-          <a:p>
-            <a:pPr algn="ctr">
-              <a:buNone/>
-            </a:pPr>
-            <a:r>
-              <a:rPr lang="zh-CN" altLang="en-US" sz="5400" b="1" dirty="0" smtClean="0">
-                <a:solidFill>
-                  <a:srgbClr val="660033"/>
-                </a:solidFill>
-                <a:latin typeface="微軟正黑體" pitchFamily="34" charset="-120"/>
-                <a:ea typeface="微軟正黑體" pitchFamily="34" charset="-120"/>
-              </a:rPr>
-              <a:t>使我與神和好心悅</a:t>
-            </a:r>
-            <a:endParaRPr lang="en-US" altLang="zh-CN" sz="5400" b="1" dirty="0" smtClean="0">
-              <a:solidFill>
-                <a:srgbClr val="660033"/>
-              </a:solidFill>
-              <a:latin typeface="微軟正黑體" pitchFamily="34" charset="-120"/>
-              <a:ea typeface="微軟正黑體" pitchFamily="34" charset="-120"/>
-            </a:endParaRPr>
-          </a:p>
-          <a:p>
-            <a:pPr algn="ctr">
-              <a:buNone/>
-            </a:pPr>
-            <a:r>
-              <a:rPr lang="zh-CN" altLang="en-US" sz="5400" b="1" dirty="0" smtClean="0">
-                <a:solidFill>
-                  <a:srgbClr val="660033"/>
-                </a:solidFill>
-                <a:latin typeface="微軟正黑體" pitchFamily="34" charset="-120"/>
-                <a:ea typeface="微軟正黑體" pitchFamily="34" charset="-120"/>
-              </a:rPr>
-              <a:t>何等奇妙的</a:t>
-            </a:r>
-            <a:r>
-              <a:rPr lang="zh-CN" altLang="en-US" sz="5400" b="1" dirty="0" smtClean="0">
-                <a:solidFill>
-                  <a:srgbClr val="660033"/>
-                </a:solidFill>
-                <a:latin typeface="微軟正黑體" pitchFamily="34" charset="-120"/>
-                <a:ea typeface="微軟正黑體" pitchFamily="34" charset="-120"/>
-              </a:rPr>
-              <a:t>救主</a:t>
-            </a:r>
-            <a:endParaRPr lang="zh-TW" altLang="en-US" sz="5400" b="1" dirty="0" smtClean="0">
-              <a:solidFill>
-                <a:srgbClr val="660033"/>
-              </a:solidFill>
-              <a:latin typeface="微軟正黑體" pitchFamily="34" charset="-120"/>
-              <a:ea typeface="微軟正黑體" pitchFamily="34" charset="-120"/>
-            </a:endParaRPr>
-          </a:p>
         </p:txBody>
       </p:sp>
     </p:spTree>
+    <p:extLst>
+      <p:ext uri="{BB962C8B-B14F-4D97-AF65-F5344CB8AC3E}">
+        <p14:creationId xmlns:p14="http://schemas.microsoft.com/office/powerpoint/2010/main" val="464353011"/>
+      </p:ext>
+    </p:extLst>
   </p:cSld>
   <p:clrMapOvr>
     <a:masterClrMapping/>
   </p:clrMapOvr>
+  <p:timing>
+    <p:tnLst>
+      <p:par>
+        <p:cTn id="1" dur="indefinite" restart="never" nodeType="tmRoot"/>
+      </p:par>
+    </p:tnLst>
+  </p:timing>
 </p:sld>
 </file>
 
@@ -3561,30 +4111,60 @@
       </p:grpSpPr>
       <p:sp>
         <p:nvSpPr>
-          <p:cNvPr id="4" name="標題 3"/>
-          <p:cNvSpPr>
-            <a:spLocks noGrp="1"/>
-          </p:cNvSpPr>
-          <p:nvPr>
-            <p:ph type="title"/>
-          </p:nvPr>
-        </p:nvSpPr>
-        <p:spPr/>
-        <p:txBody>
-          <a:bodyPr/>
-          <a:lstStyle/>
-          <a:p>
-            <a:r>
-              <a:rPr lang="zh-CN" altLang="en-US" b="1" dirty="0" smtClean="0">
+          <p:cNvPr id="5" name="內容版面配置區 4"/>
+          <p:cNvSpPr>
+            <a:spLocks noGrp="1"/>
+          </p:cNvSpPr>
+          <p:nvPr>
+            <p:ph idx="1"/>
+          </p:nvPr>
+        </p:nvSpPr>
+        <p:spPr>
+          <a:xfrm>
+            <a:off x="0" y="2084851"/>
+            <a:ext cx="12192000" cy="2404863"/>
+          </a:xfrm>
+        </p:spPr>
+        <p:txBody>
+          <a:bodyPr anchor="ctr">
+            <a:normAutofit/>
+          </a:bodyPr>
+          <a:lstStyle/>
+          <a:p>
+            <a:pPr algn="ctr">
+              <a:buNone/>
+            </a:pPr>
+            <a:r>
+              <a:rPr lang="zh-CN" altLang="en-US" sz="6400" b="1" dirty="0">
                 <a:solidFill>
                   <a:srgbClr val="660033"/>
                 </a:solidFill>
                 <a:latin typeface="微軟正黑體" pitchFamily="34" charset="-120"/>
                 <a:ea typeface="微軟正黑體" pitchFamily="34" charset="-120"/>
               </a:rPr>
-              <a:t>奇妙的救主</a:t>
-            </a:r>
-            <a:endParaRPr lang="zh-TW" altLang="en-US" b="1" dirty="0">
+              <a:t>何等奇妙的救主</a:t>
+            </a:r>
+            <a:r>
+              <a:rPr lang="zh-TW" altLang="en-US" sz="6400" b="1" dirty="0">
+                <a:solidFill>
+                  <a:srgbClr val="660033"/>
+                </a:solidFill>
+                <a:latin typeface="微軟正黑體" pitchFamily="34" charset="-120"/>
+                <a:ea typeface="微軟正黑體" pitchFamily="34" charset="-120"/>
+              </a:rPr>
+              <a:t>  </a:t>
+            </a:r>
+            <a:r>
+              <a:rPr lang="zh-CN" altLang="en-US" sz="6400" b="1" dirty="0">
+                <a:solidFill>
+                  <a:srgbClr val="660033"/>
+                </a:solidFill>
+                <a:latin typeface="微軟正黑體" pitchFamily="34" charset="-120"/>
+                <a:ea typeface="微軟正黑體" pitchFamily="34" charset="-120"/>
+              </a:rPr>
+              <a:t>是耶穌我耶穌</a:t>
+            </a:r>
+            <a:endParaRPr lang="en-US" altLang="zh-CN" sz="6400" b="1" dirty="0">
               <a:solidFill>
                 <a:srgbClr val="660033"/>
               </a:solidFill>
@@ -3592,30 +4172,12 @@
               <a:ea typeface="微軟正黑體" pitchFamily="34" charset="-120"/>
             </a:endParaRPr>
           </a:p>
-        </p:txBody>
-      </p:sp>
-      <p:sp>
-        <p:nvSpPr>
-          <p:cNvPr id="5" name="內容版面配置區 4"/>
-          <p:cNvSpPr>
-            <a:spLocks noGrp="1"/>
-          </p:cNvSpPr>
-          <p:nvPr>
-            <p:ph idx="1"/>
-          </p:nvPr>
-        </p:nvSpPr>
-        <p:spPr/>
-        <p:txBody>
-          <a:bodyPr>
-            <a:normAutofit/>
-          </a:bodyPr>
-          <a:lstStyle/>
           <a:p>
             <a:pPr algn="ctr">
               <a:buNone/>
             </a:pPr>
             <a:r>
-              <a:rPr lang="zh-CN" altLang="en-US" sz="5400" b="1" dirty="0" smtClean="0">
+              <a:rPr lang="zh-CN" altLang="en-US" sz="6400" b="1" dirty="0">
                 <a:solidFill>
                   <a:srgbClr val="660033"/>
                 </a:solidFill>
@@ -3624,7 +4186,27 @@
               </a:rPr>
               <a:t>何等奇妙的救主</a:t>
             </a:r>
-            <a:endParaRPr lang="zh-TW" altLang="en-US" sz="5400" b="1" dirty="0" smtClean="0">
+            <a:r>
+              <a:rPr lang="zh-TW" altLang="en-US" sz="6400" b="1" dirty="0">
+                <a:solidFill>
+                  <a:srgbClr val="660033"/>
+                </a:solidFill>
+                <a:latin typeface="微軟正黑體" pitchFamily="34" charset="-120"/>
+                <a:ea typeface="微軟正黑體" pitchFamily="34" charset="-120"/>
+              </a:rPr>
+              <a:t>  </a:t>
+            </a:r>
+            <a:r>
+              <a:rPr lang="zh-CN" altLang="en-US" sz="6400" b="1" dirty="0">
+                <a:solidFill>
+                  <a:srgbClr val="660033"/>
+                </a:solidFill>
+                <a:latin typeface="微軟正黑體" pitchFamily="34" charset="-120"/>
+                <a:ea typeface="微軟正黑體" pitchFamily="34" charset="-120"/>
+              </a:rPr>
+              <a:t>是耶穌我主</a:t>
+            </a:r>
+            <a:endParaRPr lang="zh-TW" altLang="en-US" sz="6400" b="1" dirty="0">
               <a:solidFill>
                 <a:srgbClr val="660033"/>
               </a:solidFill>
@@ -3632,79 +4214,25 @@
               <a:ea typeface="微軟正黑體" pitchFamily="34" charset="-120"/>
             </a:endParaRPr>
           </a:p>
-          <a:p>
-            <a:pPr algn="ctr">
-              <a:buNone/>
-            </a:pPr>
-            <a:r>
-              <a:rPr lang="zh-CN" altLang="en-US" sz="5400" b="1" dirty="0" smtClean="0">
-                <a:solidFill>
-                  <a:srgbClr val="660033"/>
-                </a:solidFill>
-                <a:latin typeface="微軟正黑體" pitchFamily="34" charset="-120"/>
-                <a:ea typeface="微軟正黑體" pitchFamily="34" charset="-120"/>
-              </a:rPr>
-              <a:t>是耶穌我耶穌</a:t>
-            </a:r>
-            <a:endParaRPr lang="en-US" altLang="zh-CN" sz="5400" b="1" dirty="0" smtClean="0">
-              <a:solidFill>
-                <a:srgbClr val="660033"/>
-              </a:solidFill>
-              <a:latin typeface="微軟正黑體" pitchFamily="34" charset="-120"/>
-              <a:ea typeface="微軟正黑體" pitchFamily="34" charset="-120"/>
-            </a:endParaRPr>
-          </a:p>
-          <a:p>
-            <a:pPr algn="ctr">
-              <a:buNone/>
-            </a:pPr>
-            <a:r>
-              <a:rPr lang="zh-CN" altLang="en-US" sz="5400" b="1" dirty="0" smtClean="0">
-                <a:solidFill>
-                  <a:srgbClr val="660033"/>
-                </a:solidFill>
-                <a:latin typeface="微軟正黑體" pitchFamily="34" charset="-120"/>
-                <a:ea typeface="微軟正黑體" pitchFamily="34" charset="-120"/>
-              </a:rPr>
-              <a:t>何等奇妙的救主</a:t>
-            </a:r>
-            <a:endParaRPr lang="zh-TW" altLang="en-US" sz="5400" b="1" dirty="0" smtClean="0">
-              <a:solidFill>
-                <a:srgbClr val="660033"/>
-              </a:solidFill>
-              <a:latin typeface="微軟正黑體" pitchFamily="34" charset="-120"/>
-              <a:ea typeface="微軟正黑體" pitchFamily="34" charset="-120"/>
-            </a:endParaRPr>
-          </a:p>
-          <a:p>
-            <a:pPr algn="ctr">
-              <a:buNone/>
-            </a:pPr>
-            <a:r>
-              <a:rPr lang="zh-CN" altLang="en-US" sz="5400" b="1" dirty="0" smtClean="0">
-                <a:solidFill>
-                  <a:srgbClr val="660033"/>
-                </a:solidFill>
-                <a:latin typeface="微軟正黑體" pitchFamily="34" charset="-120"/>
-                <a:ea typeface="微軟正黑體" pitchFamily="34" charset="-120"/>
-              </a:rPr>
-              <a:t>是耶穌我主</a:t>
-            </a:r>
-            <a:endParaRPr lang="zh-TW" altLang="en-US" sz="5400" b="1" dirty="0">
-              <a:solidFill>
-                <a:srgbClr val="660033"/>
-              </a:solidFill>
-              <a:latin typeface="微軟正黑體" pitchFamily="34" charset="-120"/>
-              <a:ea typeface="微軟正黑體" pitchFamily="34" charset="-120"/>
-            </a:endParaRPr>
-          </a:p>
         </p:txBody>
       </p:sp>
     </p:spTree>
+    <p:extLst>
+      <p:ext uri="{BB962C8B-B14F-4D97-AF65-F5344CB8AC3E}">
+        <p14:creationId xmlns:p14="http://schemas.microsoft.com/office/powerpoint/2010/main" val="2480820693"/>
+      </p:ext>
+    </p:extLst>
   </p:cSld>
   <p:clrMapOvr>
     <a:masterClrMapping/>
   </p:clrMapOvr>
+  <p:timing>
+    <p:tnLst>
+      <p:par>
+        <p:cTn id="1" dur="indefinite" restart="never" nodeType="tmRoot"/>
+      </p:par>
+    </p:tnLst>
+  </p:timing>
 </p:sld>
 </file>
 
@@ -3727,30 +4255,40 @@
       </p:grpSpPr>
       <p:sp>
         <p:nvSpPr>
-          <p:cNvPr id="4" name="標題 3"/>
-          <p:cNvSpPr>
-            <a:spLocks noGrp="1"/>
-          </p:cNvSpPr>
-          <p:nvPr>
-            <p:ph type="title"/>
-          </p:nvPr>
-        </p:nvSpPr>
-        <p:spPr/>
-        <p:txBody>
-          <a:bodyPr/>
-          <a:lstStyle/>
-          <a:p>
-            <a:r>
-              <a:rPr lang="zh-CN" altLang="en-US" b="1" dirty="0" smtClean="0">
+          <p:cNvPr id="5" name="內容版面配置區 4"/>
+          <p:cNvSpPr>
+            <a:spLocks noGrp="1"/>
+          </p:cNvSpPr>
+          <p:nvPr>
+            <p:ph idx="1"/>
+          </p:nvPr>
+        </p:nvSpPr>
+        <p:spPr>
+          <a:xfrm>
+            <a:off x="0" y="2084851"/>
+            <a:ext cx="12192000" cy="2404863"/>
+          </a:xfrm>
+        </p:spPr>
+        <p:txBody>
+          <a:bodyPr anchor="ctr">
+            <a:normAutofit/>
+          </a:bodyPr>
+          <a:lstStyle/>
+          <a:p>
+            <a:pPr algn="ctr">
+              <a:buNone/>
+            </a:pPr>
+            <a:r>
+              <a:rPr lang="zh-CN" altLang="en-US" sz="6400" b="1" dirty="0">
                 <a:solidFill>
                   <a:srgbClr val="660033"/>
                 </a:solidFill>
                 <a:latin typeface="微軟正黑體" pitchFamily="34" charset="-120"/>
                 <a:ea typeface="微軟正黑體" pitchFamily="34" charset="-120"/>
               </a:rPr>
-              <a:t>奇妙的救主</a:t>
-            </a:r>
-            <a:endParaRPr lang="zh-TW" altLang="en-US" b="1" dirty="0">
+              <a:t>我讚美他洗罪寶血</a:t>
+            </a:r>
+            <a:endParaRPr lang="en-US" altLang="zh-CN" sz="6400" b="1" dirty="0">
               <a:solidFill>
                 <a:srgbClr val="660033"/>
               </a:solidFill>
@@ -3758,39 +4296,21 @@
               <a:ea typeface="微軟正黑體" pitchFamily="34" charset="-120"/>
             </a:endParaRPr>
           </a:p>
-        </p:txBody>
-      </p:sp>
-      <p:sp>
-        <p:nvSpPr>
-          <p:cNvPr id="5" name="內容版面配置區 4"/>
-          <p:cNvSpPr>
-            <a:spLocks noGrp="1"/>
-          </p:cNvSpPr>
-          <p:nvPr>
-            <p:ph idx="1"/>
-          </p:nvPr>
-        </p:nvSpPr>
-        <p:spPr/>
-        <p:txBody>
-          <a:bodyPr>
-            <a:normAutofit/>
-          </a:bodyPr>
-          <a:lstStyle/>
           <a:p>
             <a:pPr algn="ctr">
               <a:buNone/>
             </a:pPr>
             <a:r>
-              <a:rPr lang="zh-CN" altLang="en-US" sz="5400" b="1" dirty="0" smtClean="0">
+              <a:rPr lang="zh-CN" altLang="en-US" sz="6400" b="1" dirty="0">
                 <a:solidFill>
                   <a:srgbClr val="660033"/>
                 </a:solidFill>
                 <a:latin typeface="微軟正黑體" pitchFamily="34" charset="-120"/>
                 <a:ea typeface="微軟正黑體" pitchFamily="34" charset="-120"/>
               </a:rPr>
-              <a:t>他全洗淨我心罪衍</a:t>
-            </a:r>
-            <a:endParaRPr lang="en-US" altLang="zh-CN" sz="5400" b="1" dirty="0" smtClean="0">
+              <a:t>何等奇妙的救主</a:t>
+            </a:r>
+            <a:endParaRPr lang="zh-TW" altLang="en-US" sz="6400" b="1" dirty="0">
               <a:solidFill>
                 <a:srgbClr val="660033"/>
               </a:solidFill>
@@ -3798,109 +4318,64 @@
               <a:ea typeface="微軟正黑體" pitchFamily="34" charset="-120"/>
             </a:endParaRPr>
           </a:p>
-          <a:p>
-            <a:pPr algn="ctr">
-              <a:buNone/>
-            </a:pPr>
-            <a:r>
-              <a:rPr lang="zh-CN" altLang="en-US" sz="5400" b="1" dirty="0" smtClean="0">
+        </p:txBody>
+      </p:sp>
+      <p:sp>
+        <p:nvSpPr>
+          <p:cNvPr id="3" name="TextBox 2"/>
+          <p:cNvSpPr txBox="1"/>
+          <p:nvPr/>
+        </p:nvSpPr>
+        <p:spPr>
+          <a:xfrm>
+            <a:off x="0" y="5061182"/>
+            <a:ext cx="12192000" cy="830997"/>
+          </a:xfrm>
+          <a:prstGeom prst="rect">
+            <a:avLst/>
+          </a:prstGeom>
+          <a:noFill/>
+        </p:spPr>
+        <p:txBody>
+          <a:bodyPr wrap="square" rtlCol="0">
+            <a:spAutoFit/>
+          </a:bodyPr>
+          <a:lstStyle/>
+          <a:p>
+            <a:pPr algn="ctr"/>
+            <a:r>
+              <a:rPr lang="en-US" sz="4800" b="1" dirty="0">
                 <a:solidFill>
                   <a:srgbClr val="660033"/>
                 </a:solidFill>
-                <a:latin typeface="微軟正黑體" pitchFamily="34" charset="-120"/>
-                <a:ea typeface="微軟正黑體" pitchFamily="34" charset="-120"/>
-              </a:rPr>
-              <a:t>何等</a:t>
-            </a:r>
-            <a:r>
-              <a:rPr lang="zh-CN" altLang="en-US" sz="5400" b="1" dirty="0" smtClean="0">
-                <a:solidFill>
-                  <a:srgbClr val="660033"/>
-                </a:solidFill>
-                <a:latin typeface="微軟正黑體" pitchFamily="34" charset="-120"/>
-                <a:ea typeface="微軟正黑體" pitchFamily="34" charset="-120"/>
-              </a:rPr>
-              <a:t>奇妙的</a:t>
-            </a:r>
-            <a:r>
-              <a:rPr lang="zh-CN" altLang="en-US" sz="5400" b="1" dirty="0" smtClean="0">
-                <a:solidFill>
-                  <a:srgbClr val="660033"/>
-                </a:solidFill>
-                <a:latin typeface="微軟正黑體" pitchFamily="34" charset="-120"/>
-                <a:ea typeface="微軟正黑體" pitchFamily="34" charset="-120"/>
-              </a:rPr>
-              <a:t>救主</a:t>
-            </a:r>
-            <a:endParaRPr lang="en-US" altLang="zh-CN" sz="5400" b="1" dirty="0" smtClean="0">
+              </a:rPr>
+              <a:t>( 2 )</a:t>
+            </a:r>
+            <a:endParaRPr lang="vi-VN" sz="4800" b="1" dirty="0">
               <a:solidFill>
                 <a:srgbClr val="660033"/>
               </a:solidFill>
-              <a:latin typeface="微軟正黑體" pitchFamily="34" charset="-120"/>
-              <a:ea typeface="微軟正黑體" pitchFamily="34" charset="-120"/>
             </a:endParaRPr>
           </a:p>
-          <a:p>
-            <a:pPr algn="ctr">
-              <a:buNone/>
-            </a:pPr>
-            <a:r>
-              <a:rPr lang="zh-CN" altLang="en-US" sz="5400" b="1" dirty="0" smtClean="0">
-                <a:solidFill>
-                  <a:srgbClr val="660033"/>
-                </a:solidFill>
-                <a:latin typeface="微軟正黑體" pitchFamily="34" charset="-120"/>
-                <a:ea typeface="微軟正黑體" pitchFamily="34" charset="-120"/>
-              </a:rPr>
-              <a:t>今在我心執掌王權</a:t>
-            </a:r>
-            <a:endParaRPr lang="en-US" altLang="zh-CN" sz="5400" b="1" dirty="0" smtClean="0">
-              <a:solidFill>
-                <a:srgbClr val="660033"/>
-              </a:solidFill>
-              <a:latin typeface="微軟正黑體" pitchFamily="34" charset="-120"/>
-              <a:ea typeface="微軟正黑體" pitchFamily="34" charset="-120"/>
-            </a:endParaRPr>
-          </a:p>
-          <a:p>
-            <a:pPr algn="ctr">
-              <a:buNone/>
-            </a:pPr>
-            <a:r>
-              <a:rPr lang="zh-CN" altLang="en-US" sz="5400" b="1" dirty="0" smtClean="0">
-                <a:solidFill>
-                  <a:srgbClr val="660033"/>
-                </a:solidFill>
-                <a:latin typeface="微軟正黑體" pitchFamily="34" charset="-120"/>
-                <a:ea typeface="微軟正黑體" pitchFamily="34" charset="-120"/>
-              </a:rPr>
-              <a:t>何等奇妙的</a:t>
-            </a:r>
-            <a:r>
-              <a:rPr lang="zh-CN" altLang="en-US" sz="5400" b="1" dirty="0" smtClean="0">
-                <a:solidFill>
-                  <a:srgbClr val="660033"/>
-                </a:solidFill>
-                <a:latin typeface="微軟正黑體" pitchFamily="34" charset="-120"/>
-                <a:ea typeface="微軟正黑體" pitchFamily="34" charset="-120"/>
-              </a:rPr>
-              <a:t>救主</a:t>
-            </a:r>
-            <a:endParaRPr lang="en-US" altLang="zh-CN" sz="5400" b="1" dirty="0" smtClean="0">
-              <a:solidFill>
-                <a:srgbClr val="660033"/>
-              </a:solidFill>
-              <a:latin typeface="微軟正黑體" pitchFamily="34" charset="-120"/>
-              <a:ea typeface="微軟正黑體" pitchFamily="34" charset="-120"/>
-            </a:endParaRPr>
-          </a:p>
         </p:txBody>
       </p:sp>
     </p:spTree>
+    <p:extLst>
+      <p:ext uri="{BB962C8B-B14F-4D97-AF65-F5344CB8AC3E}">
+        <p14:creationId xmlns:p14="http://schemas.microsoft.com/office/powerpoint/2010/main" val="2590821107"/>
+      </p:ext>
+    </p:extLst>
   </p:cSld>
   <p:clrMapOvr>
     <a:masterClrMapping/>
   </p:clrMapOvr>
+  <p:timing>
+    <p:tnLst>
+      <p:par>
+        <p:cTn id="1" dur="indefinite" restart="never" nodeType="tmRoot"/>
+      </p:par>
+    </p:tnLst>
+  </p:timing>
 </p:sld>
 </file>
 
@@ -3923,30 +4398,40 @@
       </p:grpSpPr>
       <p:sp>
         <p:nvSpPr>
-          <p:cNvPr id="4" name="標題 3"/>
-          <p:cNvSpPr>
-            <a:spLocks noGrp="1"/>
-          </p:cNvSpPr>
-          <p:nvPr>
-            <p:ph type="title"/>
-          </p:nvPr>
-        </p:nvSpPr>
-        <p:spPr/>
-        <p:txBody>
-          <a:bodyPr/>
-          <a:lstStyle/>
-          <a:p>
-            <a:r>
-              <a:rPr lang="zh-CN" altLang="en-US" b="1" dirty="0" smtClean="0">
+          <p:cNvPr id="5" name="內容版面配置區 4"/>
+          <p:cNvSpPr>
+            <a:spLocks noGrp="1"/>
+          </p:cNvSpPr>
+          <p:nvPr>
+            <p:ph idx="1"/>
+          </p:nvPr>
+        </p:nvSpPr>
+        <p:spPr>
+          <a:xfrm>
+            <a:off x="0" y="2084851"/>
+            <a:ext cx="12192000" cy="2404863"/>
+          </a:xfrm>
+        </p:spPr>
+        <p:txBody>
+          <a:bodyPr anchor="ctr">
+            <a:normAutofit/>
+          </a:bodyPr>
+          <a:lstStyle/>
+          <a:p>
+            <a:pPr algn="ctr">
+              <a:buNone/>
+            </a:pPr>
+            <a:r>
+              <a:rPr lang="zh-CN" altLang="en-US" sz="6400" b="1" dirty="0">
                 <a:solidFill>
                   <a:srgbClr val="660033"/>
                 </a:solidFill>
                 <a:latin typeface="微軟正黑體" pitchFamily="34" charset="-120"/>
                 <a:ea typeface="微軟正黑體" pitchFamily="34" charset="-120"/>
               </a:rPr>
-              <a:t>奇妙的救主</a:t>
-            </a:r>
-            <a:endParaRPr lang="zh-TW" altLang="en-US" b="1" dirty="0">
+              <a:t>使我與神和好心悅</a:t>
+            </a:r>
+            <a:endParaRPr lang="en-US" altLang="zh-CN" sz="6400" b="1" dirty="0">
               <a:solidFill>
                 <a:srgbClr val="660033"/>
               </a:solidFill>
@@ -3954,30 +4439,12 @@
               <a:ea typeface="微軟正黑體" pitchFamily="34" charset="-120"/>
             </a:endParaRPr>
           </a:p>
-        </p:txBody>
-      </p:sp>
-      <p:sp>
-        <p:nvSpPr>
-          <p:cNvPr id="5" name="內容版面配置區 4"/>
-          <p:cNvSpPr>
-            <a:spLocks noGrp="1"/>
-          </p:cNvSpPr>
-          <p:nvPr>
-            <p:ph idx="1"/>
-          </p:nvPr>
-        </p:nvSpPr>
-        <p:spPr/>
-        <p:txBody>
-          <a:bodyPr>
-            <a:normAutofit/>
-          </a:bodyPr>
-          <a:lstStyle/>
           <a:p>
             <a:pPr algn="ctr">
               <a:buNone/>
             </a:pPr>
             <a:r>
-              <a:rPr lang="zh-CN" altLang="en-US" sz="5400" b="1" dirty="0" smtClean="0">
+              <a:rPr lang="zh-CN" altLang="en-US" sz="6400" b="1" dirty="0">
                 <a:solidFill>
                   <a:srgbClr val="660033"/>
                 </a:solidFill>
@@ -3986,7 +4453,7 @@
               </a:rPr>
               <a:t>何等奇妙的救主</a:t>
             </a:r>
-            <a:endParaRPr lang="zh-TW" altLang="en-US" sz="5400" b="1" dirty="0" smtClean="0">
+            <a:endParaRPr lang="zh-TW" altLang="en-US" sz="6400" b="1" dirty="0">
               <a:solidFill>
                 <a:srgbClr val="660033"/>
               </a:solidFill>
@@ -3994,79 +4461,64 @@
               <a:ea typeface="微軟正黑體" pitchFamily="34" charset="-120"/>
             </a:endParaRPr>
           </a:p>
-          <a:p>
-            <a:pPr algn="ctr">
-              <a:buNone/>
-            </a:pPr>
-            <a:r>
-              <a:rPr lang="zh-CN" altLang="en-US" sz="5400" b="1" dirty="0" smtClean="0">
+        </p:txBody>
+      </p:sp>
+      <p:sp>
+        <p:nvSpPr>
+          <p:cNvPr id="3" name="TextBox 2"/>
+          <p:cNvSpPr txBox="1"/>
+          <p:nvPr/>
+        </p:nvSpPr>
+        <p:spPr>
+          <a:xfrm>
+            <a:off x="0" y="5061182"/>
+            <a:ext cx="12192000" cy="830997"/>
+          </a:xfrm>
+          <a:prstGeom prst="rect">
+            <a:avLst/>
+          </a:prstGeom>
+          <a:noFill/>
+        </p:spPr>
+        <p:txBody>
+          <a:bodyPr wrap="square" rtlCol="0">
+            <a:spAutoFit/>
+          </a:bodyPr>
+          <a:lstStyle/>
+          <a:p>
+            <a:pPr algn="ctr"/>
+            <a:r>
+              <a:rPr lang="en-US" sz="4800" b="1" dirty="0">
                 <a:solidFill>
                   <a:srgbClr val="660033"/>
                 </a:solidFill>
-                <a:latin typeface="微軟正黑體" pitchFamily="34" charset="-120"/>
-                <a:ea typeface="微軟正黑體" pitchFamily="34" charset="-120"/>
-              </a:rPr>
-              <a:t>是耶穌我耶穌</a:t>
-            </a:r>
-            <a:endParaRPr lang="en-US" altLang="zh-CN" sz="5400" b="1" dirty="0" smtClean="0">
+              </a:rPr>
+              <a:t>( 2 )</a:t>
+            </a:r>
+            <a:endParaRPr lang="vi-VN" sz="4800" b="1" dirty="0">
               <a:solidFill>
                 <a:srgbClr val="660033"/>
               </a:solidFill>
-              <a:latin typeface="微軟正黑體" pitchFamily="34" charset="-120"/>
-              <a:ea typeface="微軟正黑體" pitchFamily="34" charset="-120"/>
             </a:endParaRPr>
           </a:p>
-          <a:p>
-            <a:pPr algn="ctr">
-              <a:buNone/>
-            </a:pPr>
-            <a:r>
-              <a:rPr lang="zh-CN" altLang="en-US" sz="5400" b="1" dirty="0" smtClean="0">
-                <a:solidFill>
-                  <a:srgbClr val="660033"/>
-                </a:solidFill>
-                <a:latin typeface="微軟正黑體" pitchFamily="34" charset="-120"/>
-                <a:ea typeface="微軟正黑體" pitchFamily="34" charset="-120"/>
-              </a:rPr>
-              <a:t>何等奇妙的救主</a:t>
-            </a:r>
-            <a:endParaRPr lang="zh-TW" altLang="en-US" sz="5400" b="1" dirty="0" smtClean="0">
-              <a:solidFill>
-                <a:srgbClr val="660033"/>
-              </a:solidFill>
-              <a:latin typeface="微軟正黑體" pitchFamily="34" charset="-120"/>
-              <a:ea typeface="微軟正黑體" pitchFamily="34" charset="-120"/>
-            </a:endParaRPr>
-          </a:p>
-          <a:p>
-            <a:pPr algn="ctr">
-              <a:buNone/>
-            </a:pPr>
-            <a:r>
-              <a:rPr lang="zh-CN" altLang="en-US" sz="5400" b="1" dirty="0" smtClean="0">
-                <a:solidFill>
-                  <a:srgbClr val="660033"/>
-                </a:solidFill>
-                <a:latin typeface="微軟正黑體" pitchFamily="34" charset="-120"/>
-                <a:ea typeface="微軟正黑體" pitchFamily="34" charset="-120"/>
-              </a:rPr>
-              <a:t>是耶穌我主</a:t>
-            </a:r>
-            <a:endParaRPr lang="zh-TW" altLang="en-US" sz="5400" b="1" dirty="0">
-              <a:solidFill>
-                <a:srgbClr val="660033"/>
-              </a:solidFill>
-              <a:latin typeface="微軟正黑體" pitchFamily="34" charset="-120"/>
-              <a:ea typeface="微軟正黑體" pitchFamily="34" charset="-120"/>
-            </a:endParaRPr>
-          </a:p>
         </p:txBody>
       </p:sp>
     </p:spTree>
+    <p:extLst>
+      <p:ext uri="{BB962C8B-B14F-4D97-AF65-F5344CB8AC3E}">
+        <p14:creationId xmlns:p14="http://schemas.microsoft.com/office/powerpoint/2010/main" val="3238998408"/>
+      </p:ext>
+    </p:extLst>
   </p:cSld>
   <p:clrMapOvr>
     <a:masterClrMapping/>
   </p:clrMapOvr>
+  <p:timing>
+    <p:tnLst>
+      <p:par>
+        <p:cTn id="1" dur="indefinite" restart="never" nodeType="tmRoot"/>
+      </p:par>
+    </p:tnLst>
+  </p:timing>
 </p:sld>
 </file>
 
@@ -4089,30 +4541,60 @@
       </p:grpSpPr>
       <p:sp>
         <p:nvSpPr>
-          <p:cNvPr id="4" name="標題 3"/>
-          <p:cNvSpPr>
-            <a:spLocks noGrp="1"/>
-          </p:cNvSpPr>
-          <p:nvPr>
-            <p:ph type="title"/>
-          </p:nvPr>
-        </p:nvSpPr>
-        <p:spPr/>
-        <p:txBody>
-          <a:bodyPr/>
-          <a:lstStyle/>
-          <a:p>
-            <a:r>
-              <a:rPr lang="zh-CN" altLang="en-US" b="1" dirty="0" smtClean="0">
+          <p:cNvPr id="5" name="內容版面配置區 4"/>
+          <p:cNvSpPr>
+            <a:spLocks noGrp="1"/>
+          </p:cNvSpPr>
+          <p:nvPr>
+            <p:ph idx="1"/>
+          </p:nvPr>
+        </p:nvSpPr>
+        <p:spPr>
+          <a:xfrm>
+            <a:off x="0" y="2084851"/>
+            <a:ext cx="12192000" cy="2404863"/>
+          </a:xfrm>
+        </p:spPr>
+        <p:txBody>
+          <a:bodyPr anchor="ctr">
+            <a:normAutofit/>
+          </a:bodyPr>
+          <a:lstStyle/>
+          <a:p>
+            <a:pPr algn="ctr">
+              <a:buNone/>
+            </a:pPr>
+            <a:r>
+              <a:rPr lang="zh-CN" altLang="en-US" sz="6400" b="1" dirty="0">
                 <a:solidFill>
                   <a:srgbClr val="660033"/>
                 </a:solidFill>
                 <a:latin typeface="微軟正黑體" pitchFamily="34" charset="-120"/>
                 <a:ea typeface="微軟正黑體" pitchFamily="34" charset="-120"/>
               </a:rPr>
-              <a:t>奇妙的救主</a:t>
-            </a:r>
-            <a:endParaRPr lang="zh-TW" altLang="en-US" b="1" dirty="0">
+              <a:t>何等奇妙的救主</a:t>
+            </a:r>
+            <a:r>
+              <a:rPr lang="zh-TW" altLang="en-US" sz="6400" b="1" dirty="0">
+                <a:solidFill>
+                  <a:srgbClr val="660033"/>
+                </a:solidFill>
+                <a:latin typeface="微軟正黑體" pitchFamily="34" charset="-120"/>
+                <a:ea typeface="微軟正黑體" pitchFamily="34" charset="-120"/>
+              </a:rPr>
+              <a:t>  </a:t>
+            </a:r>
+            <a:r>
+              <a:rPr lang="zh-CN" altLang="en-US" sz="6400" b="1" dirty="0">
+                <a:solidFill>
+                  <a:srgbClr val="660033"/>
+                </a:solidFill>
+                <a:latin typeface="微軟正黑體" pitchFamily="34" charset="-120"/>
+                <a:ea typeface="微軟正黑體" pitchFamily="34" charset="-120"/>
+              </a:rPr>
+              <a:t>是耶穌我耶穌</a:t>
+            </a:r>
+            <a:endParaRPr lang="en-US" altLang="zh-CN" sz="6400" b="1" dirty="0">
               <a:solidFill>
                 <a:srgbClr val="660033"/>
               </a:solidFill>
@@ -4120,39 +4602,41 @@
               <a:ea typeface="微軟正黑體" pitchFamily="34" charset="-120"/>
             </a:endParaRPr>
           </a:p>
-        </p:txBody>
-      </p:sp>
-      <p:sp>
-        <p:nvSpPr>
-          <p:cNvPr id="5" name="內容版面配置區 4"/>
-          <p:cNvSpPr>
-            <a:spLocks noGrp="1"/>
-          </p:cNvSpPr>
-          <p:nvPr>
-            <p:ph idx="1"/>
-          </p:nvPr>
-        </p:nvSpPr>
-        <p:spPr/>
-        <p:txBody>
-          <a:bodyPr>
-            <a:normAutofit/>
-          </a:bodyPr>
-          <a:lstStyle/>
           <a:p>
             <a:pPr algn="ctr">
               <a:buNone/>
             </a:pPr>
             <a:r>
-              <a:rPr lang="zh-CN" altLang="en-US" sz="5400" b="1" dirty="0" smtClean="0">
+              <a:rPr lang="zh-CN" altLang="en-US" sz="6400" b="1" dirty="0">
                 <a:solidFill>
                   <a:srgbClr val="660033"/>
                 </a:solidFill>
                 <a:latin typeface="微軟正黑體" pitchFamily="34" charset="-120"/>
                 <a:ea typeface="微軟正黑體" pitchFamily="34" charset="-120"/>
               </a:rPr>
-              <a:t>他日日總與我行</a:t>
-            </a:r>
-            <a:endParaRPr lang="en-US" altLang="zh-CN" sz="5400" b="1" dirty="0" smtClean="0">
+              <a:t>何等奇妙的救主</a:t>
+            </a:r>
+            <a:r>
+              <a:rPr lang="zh-TW" altLang="en-US" sz="6400" b="1" dirty="0">
+                <a:solidFill>
+                  <a:srgbClr val="660033"/>
+                </a:solidFill>
+                <a:latin typeface="微軟正黑體" pitchFamily="34" charset="-120"/>
+                <a:ea typeface="微軟正黑體" pitchFamily="34" charset="-120"/>
+              </a:rPr>
+              <a:t>  </a:t>
+            </a:r>
+            <a:r>
+              <a:rPr lang="zh-CN" altLang="en-US" sz="6400" b="1" dirty="0">
+                <a:solidFill>
+                  <a:srgbClr val="660033"/>
+                </a:solidFill>
+                <a:latin typeface="微軟正黑體" pitchFamily="34" charset="-120"/>
+                <a:ea typeface="微軟正黑體" pitchFamily="34" charset="-120"/>
+              </a:rPr>
+              <a:t>是耶穌我主</a:t>
+            </a:r>
+            <a:endParaRPr lang="zh-TW" altLang="en-US" sz="6400" b="1" dirty="0">
               <a:solidFill>
                 <a:srgbClr val="660033"/>
               </a:solidFill>
@@ -4160,119 +4644,25 @@
               <a:ea typeface="微軟正黑體" pitchFamily="34" charset="-120"/>
             </a:endParaRPr>
           </a:p>
-          <a:p>
-            <a:pPr algn="ctr">
-              <a:buNone/>
-            </a:pPr>
-            <a:r>
-              <a:rPr lang="zh-CN" altLang="en-US" sz="5400" b="1" dirty="0" smtClean="0">
-                <a:solidFill>
-                  <a:srgbClr val="660033"/>
-                </a:solidFill>
-                <a:latin typeface="微軟正黑體" pitchFamily="34" charset="-120"/>
-                <a:ea typeface="微軟正黑體" pitchFamily="34" charset="-120"/>
-              </a:rPr>
-              <a:t>何等</a:t>
-            </a:r>
-            <a:r>
-              <a:rPr lang="zh-CN" altLang="en-US" sz="5400" b="1" dirty="0" smtClean="0">
-                <a:solidFill>
-                  <a:srgbClr val="660033"/>
-                </a:solidFill>
-                <a:latin typeface="微軟正黑體" pitchFamily="34" charset="-120"/>
-                <a:ea typeface="微軟正黑體" pitchFamily="34" charset="-120"/>
-              </a:rPr>
-              <a:t>奇妙的</a:t>
-            </a:r>
-            <a:r>
-              <a:rPr lang="zh-CN" altLang="en-US" sz="5400" b="1" dirty="0" smtClean="0">
-                <a:solidFill>
-                  <a:srgbClr val="660033"/>
-                </a:solidFill>
-                <a:latin typeface="微軟正黑體" pitchFamily="34" charset="-120"/>
-                <a:ea typeface="微軟正黑體" pitchFamily="34" charset="-120"/>
-              </a:rPr>
-              <a:t>救主</a:t>
-            </a:r>
-            <a:endParaRPr lang="en-US" altLang="zh-CN" sz="5400" b="1" dirty="0" smtClean="0">
-              <a:solidFill>
-                <a:srgbClr val="660033"/>
-              </a:solidFill>
-              <a:latin typeface="微軟正黑體" pitchFamily="34" charset="-120"/>
-              <a:ea typeface="微軟正黑體" pitchFamily="34" charset="-120"/>
-            </a:endParaRPr>
-          </a:p>
-          <a:p>
-            <a:pPr algn="ctr">
-              <a:buNone/>
-            </a:pPr>
-            <a:r>
-              <a:rPr lang="zh-CN" altLang="en-US" sz="5400" b="1" dirty="0" smtClean="0">
-                <a:solidFill>
-                  <a:srgbClr val="660033"/>
-                </a:solidFill>
-                <a:latin typeface="微軟正黑體" pitchFamily="34" charset="-120"/>
-                <a:ea typeface="微軟正黑體" pitchFamily="34" charset="-120"/>
-              </a:rPr>
-              <a:t>忠誠保護大有恩情</a:t>
-            </a:r>
-            <a:endParaRPr lang="en-US" altLang="zh-CN" sz="5400" b="1" dirty="0" smtClean="0">
-              <a:solidFill>
-                <a:srgbClr val="660033"/>
-              </a:solidFill>
-              <a:latin typeface="微軟正黑體" pitchFamily="34" charset="-120"/>
-              <a:ea typeface="微軟正黑體" pitchFamily="34" charset="-120"/>
-            </a:endParaRPr>
-          </a:p>
-          <a:p>
-            <a:pPr algn="ctr">
-              <a:buNone/>
-            </a:pPr>
-            <a:r>
-              <a:rPr lang="zh-CN" altLang="en-US" sz="5400" b="1" dirty="0" smtClean="0">
-                <a:solidFill>
-                  <a:srgbClr val="660033"/>
-                </a:solidFill>
-                <a:latin typeface="微軟正黑體" pitchFamily="34" charset="-120"/>
-                <a:ea typeface="微軟正黑體" pitchFamily="34" charset="-120"/>
-              </a:rPr>
-              <a:t>何等</a:t>
-            </a:r>
-            <a:r>
-              <a:rPr lang="zh-CN" altLang="en-US" sz="5400" b="1" dirty="0" smtClean="0">
-                <a:solidFill>
-                  <a:srgbClr val="660033"/>
-                </a:solidFill>
-                <a:latin typeface="微軟正黑體" pitchFamily="34" charset="-120"/>
-                <a:ea typeface="微軟正黑體" pitchFamily="34" charset="-120"/>
-              </a:rPr>
-              <a:t>奇妙的</a:t>
-            </a:r>
-            <a:r>
-              <a:rPr lang="zh-CN" altLang="en-US" sz="5400" b="1" dirty="0" smtClean="0">
-                <a:solidFill>
-                  <a:srgbClr val="660033"/>
-                </a:solidFill>
-                <a:latin typeface="微軟正黑體" pitchFamily="34" charset="-120"/>
-                <a:ea typeface="微軟正黑體" pitchFamily="34" charset="-120"/>
-              </a:rPr>
-              <a:t>救主</a:t>
-            </a:r>
-            <a:endParaRPr lang="en-US" altLang="zh-CN" sz="5400" b="1" dirty="0" smtClean="0">
-              <a:solidFill>
-                <a:srgbClr val="660033"/>
-              </a:solidFill>
-              <a:latin typeface="微軟正黑體" pitchFamily="34" charset="-120"/>
-              <a:ea typeface="微軟正黑體" pitchFamily="34" charset="-120"/>
-            </a:endParaRPr>
-          </a:p>
         </p:txBody>
       </p:sp>
     </p:spTree>
+    <p:extLst>
+      <p:ext uri="{BB962C8B-B14F-4D97-AF65-F5344CB8AC3E}">
+        <p14:creationId xmlns:p14="http://schemas.microsoft.com/office/powerpoint/2010/main" val="4159042219"/>
+      </p:ext>
+    </p:extLst>
   </p:cSld>
   <p:clrMapOvr>
     <a:masterClrMapping/>
   </p:clrMapOvr>
+  <p:timing>
+    <p:tnLst>
+      <p:par>
+        <p:cTn id="1" dur="indefinite" restart="never" nodeType="tmRoot"/>
+      </p:par>
+    </p:tnLst>
+  </p:timing>
 </p:sld>
 </file>
 
@@ -4295,30 +4685,40 @@
       </p:grpSpPr>
       <p:sp>
         <p:nvSpPr>
-          <p:cNvPr id="4" name="標題 3"/>
-          <p:cNvSpPr>
-            <a:spLocks noGrp="1"/>
-          </p:cNvSpPr>
-          <p:nvPr>
-            <p:ph type="title"/>
-          </p:nvPr>
-        </p:nvSpPr>
-        <p:spPr/>
-        <p:txBody>
-          <a:bodyPr/>
-          <a:lstStyle/>
-          <a:p>
-            <a:r>
-              <a:rPr lang="zh-CN" altLang="en-US" b="1" dirty="0" smtClean="0">
+          <p:cNvPr id="5" name="內容版面配置區 4"/>
+          <p:cNvSpPr>
+            <a:spLocks noGrp="1"/>
+          </p:cNvSpPr>
+          <p:nvPr>
+            <p:ph idx="1"/>
+          </p:nvPr>
+        </p:nvSpPr>
+        <p:spPr>
+          <a:xfrm>
+            <a:off x="0" y="2084851"/>
+            <a:ext cx="12192000" cy="2404863"/>
+          </a:xfrm>
+        </p:spPr>
+        <p:txBody>
+          <a:bodyPr anchor="ctr">
+            <a:normAutofit/>
+          </a:bodyPr>
+          <a:lstStyle/>
+          <a:p>
+            <a:pPr algn="ctr">
+              <a:buNone/>
+            </a:pPr>
+            <a:r>
+              <a:rPr lang="zh-CN" altLang="en-US" sz="6400" b="1" dirty="0">
                 <a:solidFill>
                   <a:srgbClr val="660033"/>
                 </a:solidFill>
                 <a:latin typeface="微軟正黑體" pitchFamily="34" charset="-120"/>
                 <a:ea typeface="微軟正黑體" pitchFamily="34" charset="-120"/>
               </a:rPr>
-              <a:t>奇妙的救主</a:t>
-            </a:r>
-            <a:endParaRPr lang="zh-TW" altLang="en-US" b="1" dirty="0">
+              <a:t>他全洗淨我心罪愆</a:t>
+            </a:r>
+            <a:endParaRPr lang="en-US" altLang="zh-CN" sz="6400" b="1" dirty="0">
               <a:solidFill>
                 <a:srgbClr val="660033"/>
               </a:solidFill>
@@ -4326,30 +4726,12 @@
               <a:ea typeface="微軟正黑體" pitchFamily="34" charset="-120"/>
             </a:endParaRPr>
           </a:p>
-        </p:txBody>
-      </p:sp>
-      <p:sp>
-        <p:nvSpPr>
-          <p:cNvPr id="5" name="內容版面配置區 4"/>
-          <p:cNvSpPr>
-            <a:spLocks noGrp="1"/>
-          </p:cNvSpPr>
-          <p:nvPr>
-            <p:ph idx="1"/>
-          </p:nvPr>
-        </p:nvSpPr>
-        <p:spPr/>
-        <p:txBody>
-          <a:bodyPr>
-            <a:normAutofit/>
-          </a:bodyPr>
-          <a:lstStyle/>
           <a:p>
             <a:pPr algn="ctr">
               <a:buNone/>
             </a:pPr>
             <a:r>
-              <a:rPr lang="zh-CN" altLang="en-US" sz="5400" b="1" dirty="0" smtClean="0">
+              <a:rPr lang="zh-CN" altLang="en-US" sz="6400" b="1" dirty="0">
                 <a:solidFill>
                   <a:srgbClr val="660033"/>
                 </a:solidFill>
@@ -4358,7 +4740,7 @@
               </a:rPr>
               <a:t>何等奇妙的救主</a:t>
             </a:r>
-            <a:endParaRPr lang="zh-TW" altLang="en-US" sz="5400" b="1" dirty="0" smtClean="0">
+            <a:endParaRPr lang="en-US" altLang="zh-CN" sz="6400" b="1" dirty="0">
               <a:solidFill>
                 <a:srgbClr val="660033"/>
               </a:solidFill>
@@ -4366,21 +4748,120 @@
               <a:ea typeface="微軟正黑體" pitchFamily="34" charset="-120"/>
             </a:endParaRPr>
           </a:p>
+        </p:txBody>
+      </p:sp>
+      <p:sp>
+        <p:nvSpPr>
+          <p:cNvPr id="3" name="TextBox 2"/>
+          <p:cNvSpPr txBox="1"/>
+          <p:nvPr/>
+        </p:nvSpPr>
+        <p:spPr>
+          <a:xfrm>
+            <a:off x="0" y="5061182"/>
+            <a:ext cx="12192000" cy="830997"/>
+          </a:xfrm>
+          <a:prstGeom prst="rect">
+            <a:avLst/>
+          </a:prstGeom>
+          <a:noFill/>
+        </p:spPr>
+        <p:txBody>
+          <a:bodyPr wrap="square" rtlCol="0">
+            <a:spAutoFit/>
+          </a:bodyPr>
+          <a:lstStyle/>
+          <a:p>
+            <a:pPr algn="ctr"/>
+            <a:r>
+              <a:rPr lang="en-US" sz="4800" b="1" dirty="0">
+                <a:solidFill>
+                  <a:srgbClr val="660033"/>
+                </a:solidFill>
+              </a:rPr>
+              <a:t>( 3 )</a:t>
+            </a:r>
+            <a:endParaRPr lang="vi-VN" sz="4800" b="1" dirty="0">
+              <a:solidFill>
+                <a:srgbClr val="660033"/>
+              </a:solidFill>
+            </a:endParaRPr>
+          </a:p>
+        </p:txBody>
+      </p:sp>
+    </p:spTree>
+    <p:extLst>
+      <p:ext uri="{BB962C8B-B14F-4D97-AF65-F5344CB8AC3E}">
+        <p14:creationId xmlns:p14="http://schemas.microsoft.com/office/powerpoint/2010/main" val="1270561010"/>
+      </p:ext>
+    </p:extLst>
+  </p:cSld>
+  <p:clrMapOvr>
+    <a:masterClrMapping/>
+  </p:clrMapOvr>
+  <p:timing>
+    <p:tnLst>
+      <p:par>
+        <p:cTn id="1" dur="indefinite" restart="never" nodeType="tmRoot"/>
+      </p:par>
+    </p:tnLst>
+  </p:timing>
+</p:sld>
+</file>
+
+<file path=ppt/slides/slide9.xml><?xml version="1.0" encoding="utf-8"?>
+<p:sld xmlns:a="http://schemas.openxmlformats.org/drawingml/2006/main" xmlns:r="http://schemas.openxmlformats.org/officeDocument/2006/relationships" xmlns:p="http://schemas.openxmlformats.org/presentationml/2006/main">
+  <p:cSld>
+    <p:spTree>
+      <p:nvGrpSpPr>
+        <p:cNvPr id="1" name=""/>
+        <p:cNvGrpSpPr/>
+        <p:nvPr/>
+      </p:nvGrpSpPr>
+      <p:grpSpPr>
+        <a:xfrm>
+          <a:off x="0" y="0"/>
+          <a:ext cx="0" cy="0"/>
+          <a:chOff x="0" y="0"/>
+          <a:chExt cx="0" cy="0"/>
+        </a:xfrm>
+      </p:grpSpPr>
+      <p:sp>
+        <p:nvSpPr>
+          <p:cNvPr id="5" name="內容版面配置區 4"/>
+          <p:cNvSpPr>
+            <a:spLocks noGrp="1"/>
+          </p:cNvSpPr>
+          <p:nvPr>
+            <p:ph idx="1"/>
+          </p:nvPr>
+        </p:nvSpPr>
+        <p:spPr>
+          <a:xfrm>
+            <a:off x="0" y="2084851"/>
+            <a:ext cx="12192000" cy="2404863"/>
+          </a:xfrm>
+        </p:spPr>
+        <p:txBody>
+          <a:bodyPr anchor="ctr">
+            <a:normAutofit/>
+          </a:bodyPr>
+          <a:lstStyle/>
           <a:p>
             <a:pPr algn="ctr">
               <a:buNone/>
             </a:pPr>
             <a:r>
-              <a:rPr lang="zh-CN" altLang="en-US" sz="5400" b="1" dirty="0" smtClean="0">
+              <a:rPr lang="zh-CN" altLang="en-US" sz="6400" b="1" dirty="0">
                 <a:solidFill>
                   <a:srgbClr val="660033"/>
                 </a:solidFill>
                 <a:latin typeface="微軟正黑體" pitchFamily="34" charset="-120"/>
                 <a:ea typeface="微軟正黑體" pitchFamily="34" charset="-120"/>
               </a:rPr>
-              <a:t>是耶穌我耶穌</a:t>
-            </a:r>
-            <a:endParaRPr lang="en-US" altLang="zh-CN" sz="5400" b="1" dirty="0" smtClean="0">
+              <a:t>今在我心執掌王權</a:t>
+            </a:r>
+            <a:endParaRPr lang="en-US" altLang="zh-CN" sz="6400" b="1" dirty="0">
               <a:solidFill>
                 <a:srgbClr val="660033"/>
               </a:solidFill>
@@ -4393,7 +4874,7 @@
               <a:buNone/>
             </a:pPr>
             <a:r>
-              <a:rPr lang="zh-CN" altLang="en-US" sz="5400" b="1" dirty="0" smtClean="0">
+              <a:rPr lang="zh-CN" altLang="en-US" sz="6400" b="1" dirty="0">
                 <a:solidFill>
                   <a:srgbClr val="660033"/>
                 </a:solidFill>
@@ -4402,7 +4883,7 @@
               </a:rPr>
               <a:t>何等奇妙的救主</a:t>
             </a:r>
-            <a:endParaRPr lang="zh-TW" altLang="en-US" sz="5400" b="1" dirty="0" smtClean="0">
+            <a:endParaRPr lang="en-US" altLang="zh-CN" sz="6400" b="1" dirty="0">
               <a:solidFill>
                 <a:srgbClr val="660033"/>
               </a:solidFill>
@@ -4410,35 +4891,64 @@
               <a:ea typeface="微軟正黑體" pitchFamily="34" charset="-120"/>
             </a:endParaRPr>
           </a:p>
-          <a:p>
-            <a:pPr algn="ctr">
-              <a:buNone/>
-            </a:pPr>
-            <a:r>
-              <a:rPr lang="zh-CN" altLang="en-US" sz="5400" b="1" dirty="0" smtClean="0">
+        </p:txBody>
+      </p:sp>
+      <p:sp>
+        <p:nvSpPr>
+          <p:cNvPr id="3" name="TextBox 2"/>
+          <p:cNvSpPr txBox="1"/>
+          <p:nvPr/>
+        </p:nvSpPr>
+        <p:spPr>
+          <a:xfrm>
+            <a:off x="0" y="5061182"/>
+            <a:ext cx="12192000" cy="830997"/>
+          </a:xfrm>
+          <a:prstGeom prst="rect">
+            <a:avLst/>
+          </a:prstGeom>
+          <a:noFill/>
+        </p:spPr>
+        <p:txBody>
+          <a:bodyPr wrap="square" rtlCol="0">
+            <a:spAutoFit/>
+          </a:bodyPr>
+          <a:lstStyle/>
+          <a:p>
+            <a:pPr algn="ctr"/>
+            <a:r>
+              <a:rPr lang="en-US" sz="4800" b="1" dirty="0">
                 <a:solidFill>
                   <a:srgbClr val="660033"/>
                 </a:solidFill>
-                <a:latin typeface="微軟正黑體" pitchFamily="34" charset="-120"/>
-                <a:ea typeface="微軟正黑體" pitchFamily="34" charset="-120"/>
-              </a:rPr>
-              <a:t>是耶穌我主</a:t>
-            </a:r>
-            <a:endParaRPr lang="zh-TW" altLang="en-US" sz="5400" b="1" dirty="0">
+              </a:rPr>
+              <a:t>( 3 )</a:t>
+            </a:r>
+            <a:endParaRPr lang="vi-VN" sz="4800" b="1" dirty="0">
               <a:solidFill>
                 <a:srgbClr val="660033"/>
               </a:solidFill>
-              <a:latin typeface="微軟正黑體" pitchFamily="34" charset="-120"/>
-              <a:ea typeface="微軟正黑體" pitchFamily="34" charset="-120"/>
             </a:endParaRPr>
           </a:p>
         </p:txBody>
       </p:sp>
     </p:spTree>
+    <p:extLst>
+      <p:ext uri="{BB962C8B-B14F-4D97-AF65-F5344CB8AC3E}">
+        <p14:creationId xmlns:p14="http://schemas.microsoft.com/office/powerpoint/2010/main" val="582703574"/>
+      </p:ext>
+    </p:extLst>
   </p:cSld>
   <p:clrMapOvr>
     <a:masterClrMapping/>
   </p:clrMapOvr>
+  <p:timing>
+    <p:tnLst>
+      <p:par>
+        <p:cTn id="1" dur="indefinite" restart="never" nodeType="tmRoot"/>
+      </p:par>
+    </p:tnLst>
+  </p:timing>
 </p:sld>
 </file>
 

--- a/宣道詩/(宣道詩23)奇妙的救主.pptx
+++ b/宣道詩/(宣道詩23)奇妙的救主.pptx
@@ -316,7 +316,7 @@
           <a:p>
             <a:fld id="{31FD9710-99C8-400F-B216-EC1AD5544D68}" type="datetimeFigureOut">
               <a:rPr lang="zh-TW" altLang="en-US" smtClean="0"/>
-              <a:t>2021/8/20</a:t>
+              <a:t>2021/9/14</a:t>
             </a:fld>
             <a:endParaRPr lang="zh-TW" altLang="en-US"/>
           </a:p>
@@ -481,7 +481,7 @@
           <a:p>
             <a:fld id="{31FD9710-99C8-400F-B216-EC1AD5544D68}" type="datetimeFigureOut">
               <a:rPr lang="zh-TW" altLang="en-US" smtClean="0"/>
-              <a:t>2021/8/20</a:t>
+              <a:t>2021/9/14</a:t>
             </a:fld>
             <a:endParaRPr lang="zh-TW" altLang="en-US"/>
           </a:p>
@@ -656,7 +656,7 @@
           <a:p>
             <a:fld id="{31FD9710-99C8-400F-B216-EC1AD5544D68}" type="datetimeFigureOut">
               <a:rPr lang="zh-TW" altLang="en-US" smtClean="0"/>
-              <a:t>2021/8/20</a:t>
+              <a:t>2021/9/14</a:t>
             </a:fld>
             <a:endParaRPr lang="zh-TW" altLang="en-US"/>
           </a:p>
@@ -821,7 +821,7 @@
           <a:p>
             <a:fld id="{31FD9710-99C8-400F-B216-EC1AD5544D68}" type="datetimeFigureOut">
               <a:rPr lang="zh-TW" altLang="en-US" smtClean="0"/>
-              <a:t>2021/8/20</a:t>
+              <a:t>2021/9/14</a:t>
             </a:fld>
             <a:endParaRPr lang="zh-TW" altLang="en-US"/>
           </a:p>
@@ -1062,7 +1062,7 @@
           <a:p>
             <a:fld id="{31FD9710-99C8-400F-B216-EC1AD5544D68}" type="datetimeFigureOut">
               <a:rPr lang="zh-TW" altLang="en-US" smtClean="0"/>
-              <a:t>2021/8/20</a:t>
+              <a:t>2021/9/14</a:t>
             </a:fld>
             <a:endParaRPr lang="zh-TW" altLang="en-US"/>
           </a:p>
@@ -1345,7 +1345,7 @@
           <a:p>
             <a:fld id="{31FD9710-99C8-400F-B216-EC1AD5544D68}" type="datetimeFigureOut">
               <a:rPr lang="zh-TW" altLang="en-US" smtClean="0"/>
-              <a:t>2021/8/20</a:t>
+              <a:t>2021/9/14</a:t>
             </a:fld>
             <a:endParaRPr lang="zh-TW" altLang="en-US"/>
           </a:p>
@@ -1762,7 +1762,7 @@
           <a:p>
             <a:fld id="{31FD9710-99C8-400F-B216-EC1AD5544D68}" type="datetimeFigureOut">
               <a:rPr lang="zh-TW" altLang="en-US" smtClean="0"/>
-              <a:t>2021/8/20</a:t>
+              <a:t>2021/9/14</a:t>
             </a:fld>
             <a:endParaRPr lang="zh-TW" altLang="en-US"/>
           </a:p>
@@ -1875,7 +1875,7 @@
           <a:p>
             <a:fld id="{31FD9710-99C8-400F-B216-EC1AD5544D68}" type="datetimeFigureOut">
               <a:rPr lang="zh-TW" altLang="en-US" smtClean="0"/>
-              <a:t>2021/8/20</a:t>
+              <a:t>2021/9/14</a:t>
             </a:fld>
             <a:endParaRPr lang="zh-TW" altLang="en-US"/>
           </a:p>
@@ -1965,7 +1965,7 @@
           <a:p>
             <a:fld id="{31FD9710-99C8-400F-B216-EC1AD5544D68}" type="datetimeFigureOut">
               <a:rPr lang="zh-TW" altLang="en-US" smtClean="0"/>
-              <a:t>2021/8/20</a:t>
+              <a:t>2021/9/14</a:t>
             </a:fld>
             <a:endParaRPr lang="zh-TW" altLang="en-US"/>
           </a:p>
@@ -2237,7 +2237,7 @@
           <a:p>
             <a:fld id="{31FD9710-99C8-400F-B216-EC1AD5544D68}" type="datetimeFigureOut">
               <a:rPr lang="zh-TW" altLang="en-US" smtClean="0"/>
-              <a:t>2021/8/20</a:t>
+              <a:t>2021/9/14</a:t>
             </a:fld>
             <a:endParaRPr lang="zh-TW" altLang="en-US"/>
           </a:p>
@@ -2489,7 +2489,7 @@
           <a:p>
             <a:fld id="{31FD9710-99C8-400F-B216-EC1AD5544D68}" type="datetimeFigureOut">
               <a:rPr lang="zh-TW" altLang="en-US" smtClean="0"/>
-              <a:t>2021/8/20</a:t>
+              <a:t>2021/9/14</a:t>
             </a:fld>
             <a:endParaRPr lang="zh-TW" altLang="en-US"/>
           </a:p>
@@ -2702,7 +2702,7 @@
           <a:p>
             <a:fld id="{31FD9710-99C8-400F-B216-EC1AD5544D68}" type="datetimeFigureOut">
               <a:rPr lang="zh-TW" altLang="en-US" smtClean="0"/>
-              <a:t>2021/8/20</a:t>
+              <a:t>2021/9/14</a:t>
             </a:fld>
             <a:endParaRPr lang="zh-TW" altLang="en-US"/>
           </a:p>
@@ -3084,7 +3084,7 @@
         </p:nvSpPr>
         <p:spPr>
           <a:xfrm>
-            <a:off x="0" y="2660915"/>
+            <a:off x="0" y="2708920"/>
             <a:ext cx="12192000" cy="1143000"/>
           </a:xfrm>
         </p:spPr>
@@ -3176,24 +3176,7 @@
                 <a:latin typeface="微軟正黑體" pitchFamily="34" charset="-120"/>
                 <a:ea typeface="微軟正黑體" pitchFamily="34" charset="-120"/>
               </a:rPr>
-              <a:t>奇</a:t>
-            </a:r>
-            <a:r>
-              <a:rPr lang="zh-CN" altLang="en-US" sz="8000" b="1" dirty="0">
-                <a:solidFill>
-                  <a:srgbClr val="660033"/>
-                </a:solidFill>
-                <a:effectLst>
-                  <a:outerShdw blurRad="38100" dist="38100" dir="2700000" algn="tl">
-                    <a:srgbClr val="000000">
-                      <a:alpha val="43137"/>
-                    </a:srgbClr>
-                  </a:outerShdw>
-                </a:effectLst>
-                <a:latin typeface="微軟正黑體" pitchFamily="34" charset="-120"/>
-                <a:ea typeface="微軟正黑體" pitchFamily="34" charset="-120"/>
-              </a:rPr>
-              <a:t>妙的救主</a:t>
+              <a:t>奇妙的救主</a:t>
             </a:r>
             <a:endParaRPr lang="zh-TW" altLang="en-US" sz="8000" b="1" dirty="0">
               <a:solidFill>

--- a/宣道詩/(宣道詩23)奇妙的救主.pptx
+++ b/宣道詩/(宣道詩23)奇妙的救主.pptx
@@ -316,7 +316,7 @@
           <a:p>
             <a:fld id="{31FD9710-99C8-400F-B216-EC1AD5544D68}" type="datetimeFigureOut">
               <a:rPr lang="zh-TW" altLang="en-US" smtClean="0"/>
-              <a:t>2021/9/14</a:t>
+              <a:t>2023/4/8</a:t>
             </a:fld>
             <a:endParaRPr lang="zh-TW" altLang="en-US"/>
           </a:p>
@@ -481,7 +481,7 @@
           <a:p>
             <a:fld id="{31FD9710-99C8-400F-B216-EC1AD5544D68}" type="datetimeFigureOut">
               <a:rPr lang="zh-TW" altLang="en-US" smtClean="0"/>
-              <a:t>2021/9/14</a:t>
+              <a:t>2023/4/8</a:t>
             </a:fld>
             <a:endParaRPr lang="zh-TW" altLang="en-US"/>
           </a:p>
@@ -656,7 +656,7 @@
           <a:p>
             <a:fld id="{31FD9710-99C8-400F-B216-EC1AD5544D68}" type="datetimeFigureOut">
               <a:rPr lang="zh-TW" altLang="en-US" smtClean="0"/>
-              <a:t>2021/9/14</a:t>
+              <a:t>2023/4/8</a:t>
             </a:fld>
             <a:endParaRPr lang="zh-TW" altLang="en-US"/>
           </a:p>
@@ -821,7 +821,7 @@
           <a:p>
             <a:fld id="{31FD9710-99C8-400F-B216-EC1AD5544D68}" type="datetimeFigureOut">
               <a:rPr lang="zh-TW" altLang="en-US" smtClean="0"/>
-              <a:t>2021/9/14</a:t>
+              <a:t>2023/4/8</a:t>
             </a:fld>
             <a:endParaRPr lang="zh-TW" altLang="en-US"/>
           </a:p>
@@ -1062,7 +1062,7 @@
           <a:p>
             <a:fld id="{31FD9710-99C8-400F-B216-EC1AD5544D68}" type="datetimeFigureOut">
               <a:rPr lang="zh-TW" altLang="en-US" smtClean="0"/>
-              <a:t>2021/9/14</a:t>
+              <a:t>2023/4/8</a:t>
             </a:fld>
             <a:endParaRPr lang="zh-TW" altLang="en-US"/>
           </a:p>
@@ -1345,7 +1345,7 @@
           <a:p>
             <a:fld id="{31FD9710-99C8-400F-B216-EC1AD5544D68}" type="datetimeFigureOut">
               <a:rPr lang="zh-TW" altLang="en-US" smtClean="0"/>
-              <a:t>2021/9/14</a:t>
+              <a:t>2023/4/8</a:t>
             </a:fld>
             <a:endParaRPr lang="zh-TW" altLang="en-US"/>
           </a:p>
@@ -1762,7 +1762,7 @@
           <a:p>
             <a:fld id="{31FD9710-99C8-400F-B216-EC1AD5544D68}" type="datetimeFigureOut">
               <a:rPr lang="zh-TW" altLang="en-US" smtClean="0"/>
-              <a:t>2021/9/14</a:t>
+              <a:t>2023/4/8</a:t>
             </a:fld>
             <a:endParaRPr lang="zh-TW" altLang="en-US"/>
           </a:p>
@@ -1875,7 +1875,7 @@
           <a:p>
             <a:fld id="{31FD9710-99C8-400F-B216-EC1AD5544D68}" type="datetimeFigureOut">
               <a:rPr lang="zh-TW" altLang="en-US" smtClean="0"/>
-              <a:t>2021/9/14</a:t>
+              <a:t>2023/4/8</a:t>
             </a:fld>
             <a:endParaRPr lang="zh-TW" altLang="en-US"/>
           </a:p>
@@ -1965,7 +1965,7 @@
           <a:p>
             <a:fld id="{31FD9710-99C8-400F-B216-EC1AD5544D68}" type="datetimeFigureOut">
               <a:rPr lang="zh-TW" altLang="en-US" smtClean="0"/>
-              <a:t>2021/9/14</a:t>
+              <a:t>2023/4/8</a:t>
             </a:fld>
             <a:endParaRPr lang="zh-TW" altLang="en-US"/>
           </a:p>
@@ -2237,7 +2237,7 @@
           <a:p>
             <a:fld id="{31FD9710-99C8-400F-B216-EC1AD5544D68}" type="datetimeFigureOut">
               <a:rPr lang="zh-TW" altLang="en-US" smtClean="0"/>
-              <a:t>2021/9/14</a:t>
+              <a:t>2023/4/8</a:t>
             </a:fld>
             <a:endParaRPr lang="zh-TW" altLang="en-US"/>
           </a:p>
@@ -2489,7 +2489,7 @@
           <a:p>
             <a:fld id="{31FD9710-99C8-400F-B216-EC1AD5544D68}" type="datetimeFigureOut">
               <a:rPr lang="zh-TW" altLang="en-US" smtClean="0"/>
-              <a:t>2021/9/14</a:t>
+              <a:t>2023/4/8</a:t>
             </a:fld>
             <a:endParaRPr lang="zh-TW" altLang="en-US"/>
           </a:p>
@@ -2702,7 +2702,7 @@
           <a:p>
             <a:fld id="{31FD9710-99C8-400F-B216-EC1AD5544D68}" type="datetimeFigureOut">
               <a:rPr lang="zh-TW" altLang="en-US" smtClean="0"/>
-              <a:t>2021/9/14</a:t>
+              <a:t>2023/4/8</a:t>
             </a:fld>
             <a:endParaRPr lang="zh-TW" altLang="en-US"/>
           </a:p>
@@ -3452,7 +3452,7 @@
         <p:spPr>
           <a:xfrm>
             <a:off x="0" y="5061182"/>
-            <a:ext cx="12192000" cy="830997"/>
+            <a:ext cx="12192000" cy="707886"/>
           </a:xfrm>
           <a:prstGeom prst="rect">
             <a:avLst/>
@@ -3467,14 +3467,30 @@
           <a:p>
             <a:pPr algn="ctr"/>
             <a:r>
-              <a:rPr lang="en-US" sz="4800" b="1" dirty="0">
-                <a:solidFill>
-                  <a:srgbClr val="660033"/>
-                </a:solidFill>
-              </a:rPr>
-              <a:t>( 4 )</a:t>
-            </a:r>
-            <a:endParaRPr lang="vi-VN" sz="4800" b="1" dirty="0">
+              <a:rPr lang="en-US" sz="4000" b="1" dirty="0">
+                <a:solidFill>
+                  <a:srgbClr val="660033"/>
+                </a:solidFill>
+              </a:rPr>
+              <a:t>( </a:t>
+            </a:r>
+            <a:r>
+              <a:rPr lang="en-US" sz="4000" b="1" dirty="0">
+                <a:solidFill>
+                  <a:srgbClr val="660033"/>
+                </a:solidFill>
+              </a:rPr>
+              <a:t>4 </a:t>
+            </a:r>
+            <a:r>
+              <a:rPr lang="en-US" sz="4000" b="1" dirty="0">
+                <a:solidFill>
+                  <a:srgbClr val="660033"/>
+                </a:solidFill>
+              </a:rPr>
+              <a:t>/ 4 )</a:t>
+            </a:r>
+            <a:endParaRPr lang="vi-VN" sz="4000" b="1" dirty="0">
               <a:solidFill>
                 <a:srgbClr val="660033"/>
               </a:solidFill>
@@ -3595,7 +3611,7 @@
         <p:spPr>
           <a:xfrm>
             <a:off x="0" y="5061182"/>
-            <a:ext cx="12192000" cy="830997"/>
+            <a:ext cx="12192000" cy="707886"/>
           </a:xfrm>
           <a:prstGeom prst="rect">
             <a:avLst/>
@@ -3610,14 +3626,14 @@
           <a:p>
             <a:pPr algn="ctr"/>
             <a:r>
-              <a:rPr lang="en-US" sz="4800" b="1" dirty="0">
-                <a:solidFill>
-                  <a:srgbClr val="660033"/>
-                </a:solidFill>
-              </a:rPr>
-              <a:t>( 4 )</a:t>
-            </a:r>
-            <a:endParaRPr lang="vi-VN" sz="4800" b="1" dirty="0">
+              <a:rPr lang="en-US" sz="4000" b="1" dirty="0">
+                <a:solidFill>
+                  <a:srgbClr val="660033"/>
+                </a:solidFill>
+              </a:rPr>
+              <a:t>( 4 / 4 )</a:t>
+            </a:r>
+            <a:endParaRPr lang="vi-VN" sz="4000" b="1" dirty="0">
               <a:solidFill>
                 <a:srgbClr val="660033"/>
               </a:solidFill>
@@ -3882,7 +3898,7 @@
         <p:spPr>
           <a:xfrm>
             <a:off x="0" y="5061182"/>
-            <a:ext cx="12192000" cy="830997"/>
+            <a:ext cx="12192000" cy="707886"/>
           </a:xfrm>
           <a:prstGeom prst="rect">
             <a:avLst/>
@@ -3897,14 +3913,30 @@
           <a:p>
             <a:pPr algn="ctr"/>
             <a:r>
-              <a:rPr lang="en-US" sz="4800" b="1" dirty="0">
-                <a:solidFill>
-                  <a:srgbClr val="660033"/>
-                </a:solidFill>
-              </a:rPr>
-              <a:t>( 1 )</a:t>
-            </a:r>
-            <a:endParaRPr lang="vi-VN" sz="4800" b="1" dirty="0">
+              <a:rPr lang="en-US" sz="4000" b="1" dirty="0">
+                <a:solidFill>
+                  <a:srgbClr val="660033"/>
+                </a:solidFill>
+              </a:rPr>
+              <a:t>( </a:t>
+            </a:r>
+            <a:r>
+              <a:rPr lang="en-US" sz="4000" b="1" dirty="0" smtClean="0">
+                <a:solidFill>
+                  <a:srgbClr val="660033"/>
+                </a:solidFill>
+              </a:rPr>
+              <a:t>1 / 4 </a:t>
+            </a:r>
+            <a:r>
+              <a:rPr lang="en-US" sz="4000" b="1" dirty="0">
+                <a:solidFill>
+                  <a:srgbClr val="660033"/>
+                </a:solidFill>
+              </a:rPr>
+              <a:t>)</a:t>
+            </a:r>
+            <a:endParaRPr lang="vi-VN" sz="4000" b="1" dirty="0">
               <a:solidFill>
                 <a:srgbClr val="660033"/>
               </a:solidFill>
@@ -4025,7 +4057,7 @@
         <p:spPr>
           <a:xfrm>
             <a:off x="0" y="5061182"/>
-            <a:ext cx="12192000" cy="830997"/>
+            <a:ext cx="12192000" cy="707886"/>
           </a:xfrm>
           <a:prstGeom prst="rect">
             <a:avLst/>
@@ -4040,14 +4072,14 @@
           <a:p>
             <a:pPr algn="ctr"/>
             <a:r>
-              <a:rPr lang="en-US" sz="4800" b="1" dirty="0">
-                <a:solidFill>
-                  <a:srgbClr val="660033"/>
-                </a:solidFill>
-              </a:rPr>
-              <a:t>( 1 )</a:t>
-            </a:r>
-            <a:endParaRPr lang="vi-VN" sz="4800" b="1" dirty="0">
+              <a:rPr lang="en-US" sz="4000" b="1" dirty="0">
+                <a:solidFill>
+                  <a:srgbClr val="660033"/>
+                </a:solidFill>
+              </a:rPr>
+              <a:t>( 1 / 4 )</a:t>
+            </a:r>
+            <a:endParaRPr lang="vi-VN" sz="4000" b="1" dirty="0">
               <a:solidFill>
                 <a:srgbClr val="660033"/>
               </a:solidFill>
@@ -4312,7 +4344,7 @@
         <p:spPr>
           <a:xfrm>
             <a:off x="0" y="5061182"/>
-            <a:ext cx="12192000" cy="830997"/>
+            <a:ext cx="12192000" cy="707886"/>
           </a:xfrm>
           <a:prstGeom prst="rect">
             <a:avLst/>
@@ -4327,14 +4359,30 @@
           <a:p>
             <a:pPr algn="ctr"/>
             <a:r>
-              <a:rPr lang="en-US" sz="4800" b="1" dirty="0">
-                <a:solidFill>
-                  <a:srgbClr val="660033"/>
-                </a:solidFill>
-              </a:rPr>
-              <a:t>( 2 )</a:t>
-            </a:r>
-            <a:endParaRPr lang="vi-VN" sz="4800" b="1" dirty="0">
+              <a:rPr lang="en-US" sz="4000" b="1" dirty="0">
+                <a:solidFill>
+                  <a:srgbClr val="660033"/>
+                </a:solidFill>
+              </a:rPr>
+              <a:t>( </a:t>
+            </a:r>
+            <a:r>
+              <a:rPr lang="en-US" sz="4000" b="1" dirty="0">
+                <a:solidFill>
+                  <a:srgbClr val="660033"/>
+                </a:solidFill>
+              </a:rPr>
+              <a:t>2 </a:t>
+            </a:r>
+            <a:r>
+              <a:rPr lang="en-US" sz="4000" b="1" dirty="0">
+                <a:solidFill>
+                  <a:srgbClr val="660033"/>
+                </a:solidFill>
+              </a:rPr>
+              <a:t>/ 4 )</a:t>
+            </a:r>
+            <a:endParaRPr lang="vi-VN" sz="4000" b="1" dirty="0">
               <a:solidFill>
                 <a:srgbClr val="660033"/>
               </a:solidFill>
@@ -4455,7 +4503,7 @@
         <p:spPr>
           <a:xfrm>
             <a:off x="0" y="5061182"/>
-            <a:ext cx="12192000" cy="830997"/>
+            <a:ext cx="12192000" cy="707886"/>
           </a:xfrm>
           <a:prstGeom prst="rect">
             <a:avLst/>
@@ -4470,14 +4518,14 @@
           <a:p>
             <a:pPr algn="ctr"/>
             <a:r>
-              <a:rPr lang="en-US" sz="4800" b="1" dirty="0">
-                <a:solidFill>
-                  <a:srgbClr val="660033"/>
-                </a:solidFill>
-              </a:rPr>
-              <a:t>( 2 )</a:t>
-            </a:r>
-            <a:endParaRPr lang="vi-VN" sz="4800" b="1" dirty="0">
+              <a:rPr lang="en-US" sz="4000" b="1" dirty="0">
+                <a:solidFill>
+                  <a:srgbClr val="660033"/>
+                </a:solidFill>
+              </a:rPr>
+              <a:t>( 2 / 4 )</a:t>
+            </a:r>
+            <a:endParaRPr lang="vi-VN" sz="4000" b="1" dirty="0">
               <a:solidFill>
                 <a:srgbClr val="660033"/>
               </a:solidFill>
@@ -4742,7 +4790,7 @@
         <p:spPr>
           <a:xfrm>
             <a:off x="0" y="5061182"/>
-            <a:ext cx="12192000" cy="830997"/>
+            <a:ext cx="12192000" cy="707886"/>
           </a:xfrm>
           <a:prstGeom prst="rect">
             <a:avLst/>
@@ -4757,14 +4805,30 @@
           <a:p>
             <a:pPr algn="ctr"/>
             <a:r>
-              <a:rPr lang="en-US" sz="4800" b="1" dirty="0">
-                <a:solidFill>
-                  <a:srgbClr val="660033"/>
-                </a:solidFill>
-              </a:rPr>
-              <a:t>( 3 )</a:t>
-            </a:r>
-            <a:endParaRPr lang="vi-VN" sz="4800" b="1" dirty="0">
+              <a:rPr lang="en-US" sz="4000" b="1" dirty="0">
+                <a:solidFill>
+                  <a:srgbClr val="660033"/>
+                </a:solidFill>
+              </a:rPr>
+              <a:t>( </a:t>
+            </a:r>
+            <a:r>
+              <a:rPr lang="en-US" sz="4000" b="1" dirty="0">
+                <a:solidFill>
+                  <a:srgbClr val="660033"/>
+                </a:solidFill>
+              </a:rPr>
+              <a:t>3 </a:t>
+            </a:r>
+            <a:r>
+              <a:rPr lang="en-US" sz="4000" b="1" dirty="0">
+                <a:solidFill>
+                  <a:srgbClr val="660033"/>
+                </a:solidFill>
+              </a:rPr>
+              <a:t>/ 4 )</a:t>
+            </a:r>
+            <a:endParaRPr lang="vi-VN" sz="4000" b="1" dirty="0">
               <a:solidFill>
                 <a:srgbClr val="660033"/>
               </a:solidFill>
@@ -4885,7 +4949,7 @@
         <p:spPr>
           <a:xfrm>
             <a:off x="0" y="5061182"/>
-            <a:ext cx="12192000" cy="830997"/>
+            <a:ext cx="12192000" cy="707886"/>
           </a:xfrm>
           <a:prstGeom prst="rect">
             <a:avLst/>
@@ -4900,14 +4964,14 @@
           <a:p>
             <a:pPr algn="ctr"/>
             <a:r>
-              <a:rPr lang="en-US" sz="4800" b="1" dirty="0">
-                <a:solidFill>
-                  <a:srgbClr val="660033"/>
-                </a:solidFill>
-              </a:rPr>
-              <a:t>( 3 )</a:t>
-            </a:r>
-            <a:endParaRPr lang="vi-VN" sz="4800" b="1" dirty="0">
+              <a:rPr lang="en-US" sz="4000" b="1" dirty="0">
+                <a:solidFill>
+                  <a:srgbClr val="660033"/>
+                </a:solidFill>
+              </a:rPr>
+              <a:t>( 3 / 4 )</a:t>
+            </a:r>
+            <a:endParaRPr lang="vi-VN" sz="4000" b="1" dirty="0">
               <a:solidFill>
                 <a:srgbClr val="660033"/>
               </a:solidFill>
